--- a/presentation.pptx
+++ b/presentation.pptx
@@ -6,8 +6,8 @@
   </p:sldMasterIdLst>
   <p:sldIdLst>
     <p:sldId id="256" r:id="rId2"/>
-    <p:sldId id="257" r:id="rId3"/>
-    <p:sldId id="258" r:id="rId4"/>
+    <p:sldId id="258" r:id="rId3"/>
+    <p:sldId id="257" r:id="rId4"/>
   </p:sldIdLst>
   <p:sldSz cx="12192000" cy="6858000"/>
   <p:notesSz cx="6858000" cy="9144000"/>
@@ -106,6 +106,11 @@
       </a:defRPr>
     </a:lvl9pPr>
   </p:defaultTextStyle>
+  <p:extLst>
+    <p:ext uri="{EFAFB233-063F-42B5-8137-9DF3F51BA10A}">
+      <p15:sldGuideLst xmlns:p15="http://schemas.microsoft.com/office/powerpoint/2012/main"/>
+    </p:ext>
+  </p:extLst>
 </p:presentation>
 </file>
 
@@ -256,7 +261,7 @@
           <a:p>
             <a:fld id="{8ABDFE87-3E4C-415D-8973-16BF8EC672DD}" type="datetimeFigureOut">
               <a:rPr lang="zh-CN" altLang="en-US" smtClean="0"/>
-              <a:t>2019/5/14</a:t>
+              <a:t>2019/5/15</a:t>
             </a:fld>
             <a:endParaRPr lang="zh-CN" altLang="en-US"/>
           </a:p>
@@ -454,7 +459,7 @@
           <a:p>
             <a:fld id="{8ABDFE87-3E4C-415D-8973-16BF8EC672DD}" type="datetimeFigureOut">
               <a:rPr lang="zh-CN" altLang="en-US" smtClean="0"/>
-              <a:t>2019/5/14</a:t>
+              <a:t>2019/5/15</a:t>
             </a:fld>
             <a:endParaRPr lang="zh-CN" altLang="en-US"/>
           </a:p>
@@ -662,7 +667,7 @@
           <a:p>
             <a:fld id="{8ABDFE87-3E4C-415D-8973-16BF8EC672DD}" type="datetimeFigureOut">
               <a:rPr lang="zh-CN" altLang="en-US" smtClean="0"/>
-              <a:t>2019/5/14</a:t>
+              <a:t>2019/5/15</a:t>
             </a:fld>
             <a:endParaRPr lang="zh-CN" altLang="en-US"/>
           </a:p>
@@ -860,7 +865,7 @@
           <a:p>
             <a:fld id="{8ABDFE87-3E4C-415D-8973-16BF8EC672DD}" type="datetimeFigureOut">
               <a:rPr lang="zh-CN" altLang="en-US" smtClean="0"/>
-              <a:t>2019/5/14</a:t>
+              <a:t>2019/5/15</a:t>
             </a:fld>
             <a:endParaRPr lang="zh-CN" altLang="en-US"/>
           </a:p>
@@ -1135,7 +1140,7 @@
           <a:p>
             <a:fld id="{8ABDFE87-3E4C-415D-8973-16BF8EC672DD}" type="datetimeFigureOut">
               <a:rPr lang="zh-CN" altLang="en-US" smtClean="0"/>
-              <a:t>2019/5/14</a:t>
+              <a:t>2019/5/15</a:t>
             </a:fld>
             <a:endParaRPr lang="zh-CN" altLang="en-US"/>
           </a:p>
@@ -1400,7 +1405,7 @@
           <a:p>
             <a:fld id="{8ABDFE87-3E4C-415D-8973-16BF8EC672DD}" type="datetimeFigureOut">
               <a:rPr lang="zh-CN" altLang="en-US" smtClean="0"/>
-              <a:t>2019/5/14</a:t>
+              <a:t>2019/5/15</a:t>
             </a:fld>
             <a:endParaRPr lang="zh-CN" altLang="en-US"/>
           </a:p>
@@ -1812,7 +1817,7 @@
           <a:p>
             <a:fld id="{8ABDFE87-3E4C-415D-8973-16BF8EC672DD}" type="datetimeFigureOut">
               <a:rPr lang="zh-CN" altLang="en-US" smtClean="0"/>
-              <a:t>2019/5/14</a:t>
+              <a:t>2019/5/15</a:t>
             </a:fld>
             <a:endParaRPr lang="zh-CN" altLang="en-US"/>
           </a:p>
@@ -1953,7 +1958,7 @@
           <a:p>
             <a:fld id="{8ABDFE87-3E4C-415D-8973-16BF8EC672DD}" type="datetimeFigureOut">
               <a:rPr lang="zh-CN" altLang="en-US" smtClean="0"/>
-              <a:t>2019/5/14</a:t>
+              <a:t>2019/5/15</a:t>
             </a:fld>
             <a:endParaRPr lang="zh-CN" altLang="en-US"/>
           </a:p>
@@ -2066,7 +2071,7 @@
           <a:p>
             <a:fld id="{8ABDFE87-3E4C-415D-8973-16BF8EC672DD}" type="datetimeFigureOut">
               <a:rPr lang="zh-CN" altLang="en-US" smtClean="0"/>
-              <a:t>2019/5/14</a:t>
+              <a:t>2019/5/15</a:t>
             </a:fld>
             <a:endParaRPr lang="zh-CN" altLang="en-US"/>
           </a:p>
@@ -2377,7 +2382,7 @@
           <a:p>
             <a:fld id="{8ABDFE87-3E4C-415D-8973-16BF8EC672DD}" type="datetimeFigureOut">
               <a:rPr lang="zh-CN" altLang="en-US" smtClean="0"/>
-              <a:t>2019/5/14</a:t>
+              <a:t>2019/5/15</a:t>
             </a:fld>
             <a:endParaRPr lang="zh-CN" altLang="en-US"/>
           </a:p>
@@ -2665,7 +2670,7 @@
           <a:p>
             <a:fld id="{8ABDFE87-3E4C-415D-8973-16BF8EC672DD}" type="datetimeFigureOut">
               <a:rPr lang="zh-CN" altLang="en-US" smtClean="0"/>
-              <a:t>2019/5/14</a:t>
+              <a:t>2019/5/15</a:t>
             </a:fld>
             <a:endParaRPr lang="zh-CN" altLang="en-US"/>
           </a:p>
@@ -2906,7 +2911,7 @@
           <a:p>
             <a:fld id="{8ABDFE87-3E4C-415D-8973-16BF8EC672DD}" type="datetimeFigureOut">
               <a:rPr lang="zh-CN" altLang="en-US" smtClean="0"/>
-              <a:t>2019/5/14</a:t>
+              <a:t>2019/5/15</a:t>
             </a:fld>
             <a:endParaRPr lang="zh-CN" altLang="en-US"/>
           </a:p>
@@ -3341,7 +3346,7 @@
         </p:nvSpPr>
         <p:spPr>
           <a:xfrm>
-            <a:off x="1524000" y="665163"/>
+            <a:off x="1286607" y="629303"/>
             <a:ext cx="9144000" cy="1360861"/>
           </a:xfrm>
         </p:spPr>
@@ -3351,7 +3356,7 @@
           <a:p>
             <a:r>
               <a:rPr lang="en-US" altLang="zh-CN" dirty="0"/>
-              <a:t>COMP 90024 – Team 58</a:t>
+              <a:t>COMP90024 – Team 58</a:t>
             </a:r>
             <a:endParaRPr lang="zh-CN" altLang="en-US" dirty="0"/>
           </a:p>
@@ -3375,7 +3380,7 @@
         </p:nvSpPr>
         <p:spPr>
           <a:xfrm>
-            <a:off x="1524000" y="2400768"/>
+            <a:off x="1286607" y="2508952"/>
             <a:ext cx="9144000" cy="2753938"/>
           </a:xfrm>
         </p:spPr>
@@ -3721,7 +3726,7 @@
         </p:nvSpPr>
         <p:spPr>
           <a:xfrm>
-            <a:off x="6507798" y="5900595"/>
+            <a:off x="6499006" y="6044031"/>
             <a:ext cx="5202065" cy="369332"/>
           </a:xfrm>
           <a:prstGeom prst="rect">
@@ -3778,16 +3783,791 @@
           <a:chExt cx="0" cy="0"/>
         </a:xfrm>
       </p:grpSpPr>
+      <p:sp>
+        <p:nvSpPr>
+          <p:cNvPr id="2" name="标题 1">
+            <a:extLst>
+              <a:ext uri="{FF2B5EF4-FFF2-40B4-BE49-F238E27FC236}">
+                <a16:creationId xmlns:a16="http://schemas.microsoft.com/office/drawing/2014/main" id="{18193699-411E-4F70-A145-990C2B631342}"/>
+              </a:ext>
+            </a:extLst>
+          </p:cNvPr>
+          <p:cNvSpPr>
+            <a:spLocks noGrp="1"/>
+          </p:cNvSpPr>
+          <p:nvPr>
+            <p:ph type="title"/>
+          </p:nvPr>
+        </p:nvSpPr>
+        <p:spPr>
+          <a:xfrm>
+            <a:off x="397565" y="0"/>
+            <a:ext cx="10515600" cy="1325563"/>
+          </a:xfrm>
+        </p:spPr>
+        <p:txBody>
+          <a:bodyPr/>
+          <a:lstStyle/>
+          <a:p>
+            <a:r>
+              <a:rPr lang="en-US" altLang="zh-CN" dirty="0"/>
+              <a:t>Scenarios</a:t>
+            </a:r>
+            <a:endParaRPr lang="zh-CN" altLang="en-US" dirty="0"/>
+          </a:p>
+        </p:txBody>
+      </p:sp>
+      <p:sp>
+        <p:nvSpPr>
+          <p:cNvPr id="3" name="内容占位符 2">
+            <a:extLst>
+              <a:ext uri="{FF2B5EF4-FFF2-40B4-BE49-F238E27FC236}">
+                <a16:creationId xmlns:a16="http://schemas.microsoft.com/office/drawing/2014/main" id="{FE08CE50-8DA5-4C1C-9C20-3E7AE39291A0}"/>
+              </a:ext>
+            </a:extLst>
+          </p:cNvPr>
+          <p:cNvSpPr>
+            <a:spLocks noGrp="1"/>
+          </p:cNvSpPr>
+          <p:nvPr>
+            <p:ph idx="1"/>
+          </p:nvPr>
+        </p:nvSpPr>
+        <p:spPr>
+          <a:xfrm>
+            <a:off x="397565" y="1286756"/>
+            <a:ext cx="9554308" cy="5198329"/>
+          </a:xfrm>
+        </p:spPr>
+        <p:txBody>
+          <a:bodyPr>
+            <a:normAutofit/>
+          </a:bodyPr>
+          <a:lstStyle/>
+          <a:p>
+            <a:r>
+              <a:rPr lang="en-US" altLang="zh-CN" dirty="0"/>
+              <a:t>Tweets</a:t>
+            </a:r>
+            <a:r>
+              <a:rPr lang="zh-CN" altLang="en-US" dirty="0"/>
+              <a:t> </a:t>
+            </a:r>
+            <a:r>
+              <a:rPr lang="en-US" altLang="zh-CN" dirty="0"/>
+              <a:t>in</a:t>
+            </a:r>
+            <a:r>
+              <a:rPr lang="zh-CN" altLang="en-US" dirty="0"/>
+              <a:t> </a:t>
+            </a:r>
+            <a:r>
+              <a:rPr lang="en-US" altLang="zh-CN" dirty="0"/>
+              <a:t>Melbourne</a:t>
+            </a:r>
+          </a:p>
+          <a:p>
+            <a:pPr lvl="1"/>
+            <a:r>
+              <a:rPr lang="en-US" altLang="zh-CN" dirty="0"/>
+              <a:t>From</a:t>
+            </a:r>
+            <a:r>
+              <a:rPr lang="zh-CN" altLang="en-US" dirty="0"/>
+              <a:t> </a:t>
+            </a:r>
+            <a:r>
+              <a:rPr lang="en-US" altLang="zh-CN" dirty="0"/>
+              <a:t>existing</a:t>
+            </a:r>
+            <a:r>
+              <a:rPr lang="zh-CN" altLang="en-US" dirty="0"/>
+              <a:t> </a:t>
+            </a:r>
+            <a:r>
+              <a:rPr lang="en-US" altLang="zh-CN" dirty="0"/>
+              <a:t>CouchDB</a:t>
+            </a:r>
+            <a:r>
+              <a:rPr lang="zh-CN" altLang="en-US" dirty="0"/>
+              <a:t> </a:t>
+            </a:r>
+            <a:r>
+              <a:rPr lang="en-US" altLang="zh-CN" dirty="0"/>
+              <a:t>and</a:t>
+            </a:r>
+            <a:r>
+              <a:rPr lang="zh-CN" altLang="en-US" dirty="0"/>
+              <a:t> </a:t>
+            </a:r>
+            <a:r>
+              <a:rPr lang="en-US" altLang="zh-CN" dirty="0"/>
+              <a:t>Twitter</a:t>
+            </a:r>
+            <a:r>
+              <a:rPr lang="zh-CN" altLang="en-US" dirty="0"/>
+              <a:t> </a:t>
+            </a:r>
+            <a:r>
+              <a:rPr lang="en-US" altLang="zh-CN" dirty="0"/>
+              <a:t>Developer.</a:t>
+            </a:r>
+          </a:p>
+          <a:p>
+            <a:pPr lvl="1"/>
+            <a:r>
+              <a:rPr lang="en-US" altLang="zh-CN" dirty="0"/>
+              <a:t>Divide</a:t>
+            </a:r>
+            <a:r>
+              <a:rPr lang="zh-CN" altLang="en-US" dirty="0"/>
+              <a:t> </a:t>
+            </a:r>
+            <a:r>
+              <a:rPr lang="en-US" altLang="zh-CN" dirty="0"/>
+              <a:t>into</a:t>
+            </a:r>
+            <a:r>
+              <a:rPr lang="zh-CN" altLang="en-US" dirty="0"/>
+              <a:t> </a:t>
+            </a:r>
+            <a:r>
+              <a:rPr lang="en-US" altLang="zh-CN" dirty="0"/>
+              <a:t>suburbs.</a:t>
+            </a:r>
+          </a:p>
+          <a:p>
+            <a:pPr lvl="1"/>
+            <a:endParaRPr lang="en-US" altLang="zh-CN" dirty="0"/>
+          </a:p>
+          <a:p>
+            <a:pPr lvl="0"/>
+            <a:r>
+              <a:rPr lang="en-US" altLang="zh-CN" dirty="0">
+                <a:solidFill>
+                  <a:prstClr val="black"/>
+                </a:solidFill>
+              </a:rPr>
+              <a:t>Scenarios</a:t>
+            </a:r>
+            <a:r>
+              <a:rPr lang="zh-CN" altLang="en-US" dirty="0">
+                <a:solidFill>
+                  <a:prstClr val="black"/>
+                </a:solidFill>
+              </a:rPr>
+              <a:t> </a:t>
+            </a:r>
+            <a:r>
+              <a:rPr lang="en-US" altLang="zh-CN" dirty="0">
+                <a:solidFill>
+                  <a:prstClr val="black"/>
+                </a:solidFill>
+              </a:rPr>
+              <a:t>-</a:t>
+            </a:r>
+            <a:r>
+              <a:rPr lang="zh-CN" altLang="en-US" dirty="0">
+                <a:solidFill>
+                  <a:prstClr val="black"/>
+                </a:solidFill>
+              </a:rPr>
+              <a:t> </a:t>
+            </a:r>
+            <a:r>
+              <a:rPr lang="en-US" altLang="zh-CN" dirty="0">
+                <a:solidFill>
+                  <a:prstClr val="black"/>
+                </a:solidFill>
+              </a:rPr>
+              <a:t>Greedy</a:t>
+            </a:r>
+          </a:p>
+          <a:p>
+            <a:pPr lvl="1"/>
+            <a:r>
+              <a:rPr lang="en-US" altLang="zh-CN" dirty="0">
+                <a:solidFill>
+                  <a:prstClr val="black"/>
+                </a:solidFill>
+              </a:rPr>
+              <a:t>Tweets</a:t>
+            </a:r>
+            <a:r>
+              <a:rPr lang="zh-CN" altLang="en-US" dirty="0">
+                <a:solidFill>
+                  <a:prstClr val="black"/>
+                </a:solidFill>
+              </a:rPr>
+              <a:t> </a:t>
+            </a:r>
+            <a:r>
+              <a:rPr lang="en-US" altLang="zh-CN" dirty="0">
+                <a:solidFill>
+                  <a:prstClr val="black"/>
+                </a:solidFill>
+              </a:rPr>
+              <a:t>talk</a:t>
+            </a:r>
+            <a:r>
+              <a:rPr lang="zh-CN" altLang="en-US" dirty="0">
+                <a:solidFill>
+                  <a:prstClr val="black"/>
+                </a:solidFill>
+              </a:rPr>
+              <a:t> </a:t>
+            </a:r>
+            <a:r>
+              <a:rPr lang="en-US" altLang="zh-CN" dirty="0">
+                <a:solidFill>
+                  <a:prstClr val="black"/>
+                </a:solidFill>
+              </a:rPr>
+              <a:t>about</a:t>
+            </a:r>
+            <a:r>
+              <a:rPr lang="zh-CN" altLang="en-US" dirty="0">
+                <a:solidFill>
+                  <a:prstClr val="black"/>
+                </a:solidFill>
+              </a:rPr>
+              <a:t> </a:t>
+            </a:r>
+            <a:r>
+              <a:rPr lang="en-US" altLang="zh-CN" dirty="0">
+                <a:solidFill>
+                  <a:prstClr val="black"/>
+                </a:solidFill>
+              </a:rPr>
+              <a:t>food.</a:t>
+            </a:r>
+          </a:p>
+          <a:p>
+            <a:pPr lvl="1"/>
+            <a:r>
+              <a:rPr lang="en-US" altLang="zh-CN" dirty="0">
+                <a:solidFill>
+                  <a:prstClr val="black"/>
+                </a:solidFill>
+              </a:rPr>
+              <a:t>Tweets</a:t>
+            </a:r>
+            <a:r>
+              <a:rPr lang="zh-CN" altLang="en-US" dirty="0">
+                <a:solidFill>
+                  <a:prstClr val="black"/>
+                </a:solidFill>
+              </a:rPr>
+              <a:t> </a:t>
+            </a:r>
+            <a:r>
+              <a:rPr lang="en-US" altLang="zh-CN" dirty="0">
+                <a:solidFill>
+                  <a:prstClr val="black"/>
+                </a:solidFill>
+              </a:rPr>
+              <a:t>talk</a:t>
+            </a:r>
+            <a:r>
+              <a:rPr lang="zh-CN" altLang="en-US" dirty="0">
+                <a:solidFill>
+                  <a:prstClr val="black"/>
+                </a:solidFill>
+              </a:rPr>
+              <a:t> </a:t>
+            </a:r>
+            <a:r>
+              <a:rPr lang="en-US" altLang="zh-CN" dirty="0">
+                <a:solidFill>
+                  <a:prstClr val="black"/>
+                </a:solidFill>
+              </a:rPr>
+              <a:t>about</a:t>
+            </a:r>
+            <a:r>
+              <a:rPr lang="zh-CN" altLang="en-US" dirty="0">
+                <a:solidFill>
+                  <a:prstClr val="black"/>
+                </a:solidFill>
+              </a:rPr>
+              <a:t> </a:t>
+            </a:r>
+            <a:r>
+              <a:rPr lang="en-US" altLang="zh-CN" dirty="0">
+                <a:solidFill>
+                  <a:prstClr val="black"/>
+                </a:solidFill>
+              </a:rPr>
+              <a:t>shopping.</a:t>
+            </a:r>
+          </a:p>
+          <a:p>
+            <a:pPr lvl="1"/>
+            <a:r>
+              <a:rPr lang="en-US" altLang="zh-CN" dirty="0">
+                <a:solidFill>
+                  <a:prstClr val="black"/>
+                </a:solidFill>
+              </a:rPr>
+              <a:t>Tweets</a:t>
+            </a:r>
+            <a:r>
+              <a:rPr lang="zh-CN" altLang="en-US" dirty="0">
+                <a:solidFill>
+                  <a:prstClr val="black"/>
+                </a:solidFill>
+              </a:rPr>
+              <a:t> </a:t>
+            </a:r>
+            <a:r>
+              <a:rPr lang="en-US" altLang="zh-CN" dirty="0">
+                <a:solidFill>
+                  <a:prstClr val="black"/>
+                </a:solidFill>
+              </a:rPr>
+              <a:t>talk</a:t>
+            </a:r>
+            <a:r>
+              <a:rPr lang="zh-CN" altLang="en-US" dirty="0">
+                <a:solidFill>
+                  <a:prstClr val="black"/>
+                </a:solidFill>
+              </a:rPr>
+              <a:t> </a:t>
+            </a:r>
+            <a:r>
+              <a:rPr lang="en-US" altLang="zh-CN" dirty="0">
+                <a:solidFill>
+                  <a:prstClr val="black"/>
+                </a:solidFill>
+              </a:rPr>
+              <a:t>about</a:t>
+            </a:r>
+            <a:r>
+              <a:rPr lang="zh-CN" altLang="en-US" dirty="0">
+                <a:solidFill>
+                  <a:prstClr val="black"/>
+                </a:solidFill>
+              </a:rPr>
+              <a:t> </a:t>
+            </a:r>
+            <a:r>
+              <a:rPr lang="en-US" altLang="zh-CN" dirty="0">
+                <a:solidFill>
+                  <a:prstClr val="black"/>
+                </a:solidFill>
+              </a:rPr>
+              <a:t>jobs.</a:t>
+            </a:r>
+          </a:p>
+          <a:p>
+            <a:pPr lvl="1"/>
+            <a:endParaRPr lang="en-US" altLang="zh-CN" dirty="0">
+              <a:solidFill>
+                <a:prstClr val="black"/>
+              </a:solidFill>
+            </a:endParaRPr>
+          </a:p>
+          <a:p>
+            <a:pPr lvl="0"/>
+            <a:r>
+              <a:rPr lang="en-US" altLang="zh-CN" dirty="0">
+                <a:solidFill>
+                  <a:prstClr val="black"/>
+                </a:solidFill>
+              </a:rPr>
+              <a:t>Sentiment</a:t>
+            </a:r>
+            <a:r>
+              <a:rPr lang="zh-CN" altLang="en-US" dirty="0">
+                <a:solidFill>
+                  <a:prstClr val="black"/>
+                </a:solidFill>
+              </a:rPr>
+              <a:t> </a:t>
+            </a:r>
+            <a:r>
+              <a:rPr lang="en-US" altLang="zh-CN" dirty="0">
+                <a:solidFill>
+                  <a:prstClr val="black"/>
+                </a:solidFill>
+              </a:rPr>
+              <a:t>Analysis</a:t>
+            </a:r>
+          </a:p>
+          <a:p>
+            <a:pPr lvl="1"/>
+            <a:r>
+              <a:rPr lang="en-US" altLang="zh-CN" dirty="0">
+                <a:solidFill>
+                  <a:prstClr val="black"/>
+                </a:solidFill>
+              </a:rPr>
+              <a:t>Positive</a:t>
+            </a:r>
+            <a:r>
+              <a:rPr lang="zh-CN" altLang="en-US" dirty="0">
+                <a:solidFill>
+                  <a:prstClr val="black"/>
+                </a:solidFill>
+              </a:rPr>
+              <a:t> </a:t>
+            </a:r>
+            <a:r>
+              <a:rPr lang="en-US" altLang="zh-CN" dirty="0">
+                <a:solidFill>
+                  <a:prstClr val="black"/>
+                </a:solidFill>
+              </a:rPr>
+              <a:t>/</a:t>
+            </a:r>
+            <a:r>
+              <a:rPr lang="zh-CN" altLang="en-US" dirty="0">
+                <a:solidFill>
+                  <a:prstClr val="black"/>
+                </a:solidFill>
+              </a:rPr>
+              <a:t> </a:t>
+            </a:r>
+            <a:r>
+              <a:rPr lang="en-US" altLang="zh-CN" dirty="0">
+                <a:solidFill>
+                  <a:prstClr val="black"/>
+                </a:solidFill>
+              </a:rPr>
+              <a:t>Negative</a:t>
+            </a:r>
+            <a:r>
+              <a:rPr lang="zh-CN" altLang="en-US" dirty="0">
+                <a:solidFill>
+                  <a:prstClr val="black"/>
+                </a:solidFill>
+              </a:rPr>
+              <a:t> </a:t>
+            </a:r>
+            <a:r>
+              <a:rPr lang="en-US" altLang="zh-CN" dirty="0">
+                <a:solidFill>
+                  <a:prstClr val="black"/>
+                </a:solidFill>
+              </a:rPr>
+              <a:t>/</a:t>
+            </a:r>
+            <a:r>
+              <a:rPr lang="zh-CN" altLang="en-US" dirty="0">
+                <a:solidFill>
+                  <a:prstClr val="black"/>
+                </a:solidFill>
+              </a:rPr>
+              <a:t> </a:t>
+            </a:r>
+            <a:r>
+              <a:rPr lang="en-US" altLang="zh-CN" dirty="0">
+                <a:solidFill>
+                  <a:prstClr val="black"/>
+                </a:solidFill>
+              </a:rPr>
+              <a:t>Neutral</a:t>
+            </a:r>
+          </a:p>
+          <a:p>
+            <a:pPr lvl="1"/>
+            <a:endParaRPr lang="en-US" altLang="zh-CN" dirty="0">
+              <a:solidFill>
+                <a:prstClr val="black"/>
+              </a:solidFill>
+            </a:endParaRPr>
+          </a:p>
+          <a:p>
+            <a:pPr lvl="1"/>
+            <a:endParaRPr lang="en-US" altLang="zh-CN" dirty="0">
+              <a:solidFill>
+                <a:prstClr val="black"/>
+              </a:solidFill>
+            </a:endParaRPr>
+          </a:p>
+          <a:p>
+            <a:pPr lvl="1"/>
+            <a:endParaRPr lang="en-US" altLang="zh-CN" dirty="0">
+              <a:solidFill>
+                <a:prstClr val="black"/>
+              </a:solidFill>
+            </a:endParaRPr>
+          </a:p>
+          <a:p>
+            <a:pPr lvl="1"/>
+            <a:endParaRPr lang="en-US" altLang="zh-CN" dirty="0">
+              <a:solidFill>
+                <a:prstClr val="black"/>
+              </a:solidFill>
+            </a:endParaRPr>
+          </a:p>
+          <a:p>
+            <a:pPr lvl="1"/>
+            <a:endParaRPr lang="en-US" altLang="zh-CN" dirty="0">
+              <a:solidFill>
+                <a:prstClr val="black"/>
+              </a:solidFill>
+            </a:endParaRPr>
+          </a:p>
+          <a:p>
+            <a:pPr lvl="1"/>
+            <a:endParaRPr lang="en-US" altLang="zh-CN" dirty="0"/>
+          </a:p>
+          <a:p>
+            <a:pPr marL="457200" lvl="1" indent="0">
+              <a:buNone/>
+            </a:pPr>
+            <a:endParaRPr lang="en-US" altLang="zh-CN" dirty="0"/>
+          </a:p>
+          <a:p>
+            <a:pPr marL="457200" lvl="1" indent="0">
+              <a:buNone/>
+            </a:pPr>
+            <a:endParaRPr lang="en-US" altLang="zh-CN" dirty="0"/>
+          </a:p>
+          <a:p>
+            <a:endParaRPr lang="en-US" altLang="zh-CN" dirty="0"/>
+          </a:p>
+          <a:p>
+            <a:endParaRPr lang="en-US" altLang="zh-CN" dirty="0"/>
+          </a:p>
+          <a:p>
+            <a:endParaRPr lang="en-US" altLang="zh-CN" dirty="0"/>
+          </a:p>
+          <a:p>
+            <a:endParaRPr lang="en-US" altLang="zh-CN" dirty="0"/>
+          </a:p>
+          <a:p>
+            <a:endParaRPr lang="en-US" altLang="zh-CN" dirty="0"/>
+          </a:p>
+          <a:p>
+            <a:endParaRPr lang="en-US" altLang="zh-CN" dirty="0"/>
+          </a:p>
+          <a:p>
+            <a:endParaRPr lang="en-US" altLang="zh-CN" dirty="0"/>
+          </a:p>
+          <a:p>
+            <a:endParaRPr lang="en-US" altLang="zh-CN" dirty="0"/>
+          </a:p>
+          <a:p>
+            <a:endParaRPr lang="en-US" altLang="zh-CN" dirty="0"/>
+          </a:p>
+        </p:txBody>
+      </p:sp>
+      <p:sp>
+        <p:nvSpPr>
+          <p:cNvPr id="5" name="副标题 2">
+            <a:extLst>
+              <a:ext uri="{FF2B5EF4-FFF2-40B4-BE49-F238E27FC236}">
+                <a16:creationId xmlns:a16="http://schemas.microsoft.com/office/drawing/2014/main" id="{12EF02AF-9A63-6541-8F55-F1F7E7B529D2}"/>
+              </a:ext>
+            </a:extLst>
+          </p:cNvPr>
+          <p:cNvSpPr txBox="1">
+            <a:spLocks/>
+          </p:cNvSpPr>
+          <p:nvPr/>
+        </p:nvSpPr>
+        <p:spPr>
+          <a:xfrm>
+            <a:off x="1286607" y="2508952"/>
+            <a:ext cx="9144000" cy="2753938"/>
+          </a:xfrm>
+          <a:prstGeom prst="rect">
+            <a:avLst/>
+          </a:prstGeom>
+        </p:spPr>
+        <p:txBody>
+          <a:bodyPr vert="horz" lIns="91440" tIns="45720" rIns="91440" bIns="45720" rtlCol="0">
+            <a:normAutofit/>
+          </a:bodyPr>
+          <a:lstStyle>
+            <a:lvl1pPr marL="228600" indent="-228600" algn="l" defTabSz="914400" rtl="0" eaLnBrk="1" latinLnBrk="0" hangingPunct="1">
+              <a:lnSpc>
+                <a:spcPct val="90000"/>
+              </a:lnSpc>
+              <a:spcBef>
+                <a:spcPts val="1000"/>
+              </a:spcBef>
+              <a:buFont typeface="Arial" panose="020B0604020202020204" pitchFamily="34" charset="0"/>
+              <a:buChar char="•"/>
+              <a:defRPr sz="2800" kern="1200">
+                <a:solidFill>
+                  <a:schemeClr val="tx1"/>
+                </a:solidFill>
+                <a:latin typeface="+mn-lt"/>
+                <a:ea typeface="+mn-ea"/>
+                <a:cs typeface="+mn-cs"/>
+              </a:defRPr>
+            </a:lvl1pPr>
+            <a:lvl2pPr marL="685800" indent="-228600" algn="l" defTabSz="914400" rtl="0" eaLnBrk="1" latinLnBrk="0" hangingPunct="1">
+              <a:lnSpc>
+                <a:spcPct val="90000"/>
+              </a:lnSpc>
+              <a:spcBef>
+                <a:spcPts val="500"/>
+              </a:spcBef>
+              <a:buFont typeface="Arial" panose="020B0604020202020204" pitchFamily="34" charset="0"/>
+              <a:buChar char="•"/>
+              <a:defRPr sz="2400" kern="1200">
+                <a:solidFill>
+                  <a:schemeClr val="tx1"/>
+                </a:solidFill>
+                <a:latin typeface="+mn-lt"/>
+                <a:ea typeface="+mn-ea"/>
+                <a:cs typeface="+mn-cs"/>
+              </a:defRPr>
+            </a:lvl2pPr>
+            <a:lvl3pPr marL="1143000" indent="-228600" algn="l" defTabSz="914400" rtl="0" eaLnBrk="1" latinLnBrk="0" hangingPunct="1">
+              <a:lnSpc>
+                <a:spcPct val="90000"/>
+              </a:lnSpc>
+              <a:spcBef>
+                <a:spcPts val="500"/>
+              </a:spcBef>
+              <a:buFont typeface="Arial" panose="020B0604020202020204" pitchFamily="34" charset="0"/>
+              <a:buChar char="•"/>
+              <a:defRPr sz="2000" kern="1200">
+                <a:solidFill>
+                  <a:schemeClr val="tx1"/>
+                </a:solidFill>
+                <a:latin typeface="+mn-lt"/>
+                <a:ea typeface="+mn-ea"/>
+                <a:cs typeface="+mn-cs"/>
+              </a:defRPr>
+            </a:lvl3pPr>
+            <a:lvl4pPr marL="1600200" indent="-228600" algn="l" defTabSz="914400" rtl="0" eaLnBrk="1" latinLnBrk="0" hangingPunct="1">
+              <a:lnSpc>
+                <a:spcPct val="90000"/>
+              </a:lnSpc>
+              <a:spcBef>
+                <a:spcPts val="500"/>
+              </a:spcBef>
+              <a:buFont typeface="Arial" panose="020B0604020202020204" pitchFamily="34" charset="0"/>
+              <a:buChar char="•"/>
+              <a:defRPr sz="1800" kern="1200">
+                <a:solidFill>
+                  <a:schemeClr val="tx1"/>
+                </a:solidFill>
+                <a:latin typeface="+mn-lt"/>
+                <a:ea typeface="+mn-ea"/>
+                <a:cs typeface="+mn-cs"/>
+              </a:defRPr>
+            </a:lvl4pPr>
+            <a:lvl5pPr marL="2057400" indent="-228600" algn="l" defTabSz="914400" rtl="0" eaLnBrk="1" latinLnBrk="0" hangingPunct="1">
+              <a:lnSpc>
+                <a:spcPct val="90000"/>
+              </a:lnSpc>
+              <a:spcBef>
+                <a:spcPts val="500"/>
+              </a:spcBef>
+              <a:buFont typeface="Arial" panose="020B0604020202020204" pitchFamily="34" charset="0"/>
+              <a:buChar char="•"/>
+              <a:defRPr sz="1800" kern="1200">
+                <a:solidFill>
+                  <a:schemeClr val="tx1"/>
+                </a:solidFill>
+                <a:latin typeface="+mn-lt"/>
+                <a:ea typeface="+mn-ea"/>
+                <a:cs typeface="+mn-cs"/>
+              </a:defRPr>
+            </a:lvl5pPr>
+            <a:lvl6pPr marL="2514600" indent="-228600" algn="l" defTabSz="914400" rtl="0" eaLnBrk="1" latinLnBrk="0" hangingPunct="1">
+              <a:lnSpc>
+                <a:spcPct val="90000"/>
+              </a:lnSpc>
+              <a:spcBef>
+                <a:spcPts val="500"/>
+              </a:spcBef>
+              <a:buFont typeface="Arial" panose="020B0604020202020204" pitchFamily="34" charset="0"/>
+              <a:buChar char="•"/>
+              <a:defRPr sz="1800" kern="1200">
+                <a:solidFill>
+                  <a:schemeClr val="tx1"/>
+                </a:solidFill>
+                <a:latin typeface="+mn-lt"/>
+                <a:ea typeface="+mn-ea"/>
+                <a:cs typeface="+mn-cs"/>
+              </a:defRPr>
+            </a:lvl6pPr>
+            <a:lvl7pPr marL="2971800" indent="-228600" algn="l" defTabSz="914400" rtl="0" eaLnBrk="1" latinLnBrk="0" hangingPunct="1">
+              <a:lnSpc>
+                <a:spcPct val="90000"/>
+              </a:lnSpc>
+              <a:spcBef>
+                <a:spcPts val="500"/>
+              </a:spcBef>
+              <a:buFont typeface="Arial" panose="020B0604020202020204" pitchFamily="34" charset="0"/>
+              <a:buChar char="•"/>
+              <a:defRPr sz="1800" kern="1200">
+                <a:solidFill>
+                  <a:schemeClr val="tx1"/>
+                </a:solidFill>
+                <a:latin typeface="+mn-lt"/>
+                <a:ea typeface="+mn-ea"/>
+                <a:cs typeface="+mn-cs"/>
+              </a:defRPr>
+            </a:lvl7pPr>
+            <a:lvl8pPr marL="3429000" indent="-228600" algn="l" defTabSz="914400" rtl="0" eaLnBrk="1" latinLnBrk="0" hangingPunct="1">
+              <a:lnSpc>
+                <a:spcPct val="90000"/>
+              </a:lnSpc>
+              <a:spcBef>
+                <a:spcPts val="500"/>
+              </a:spcBef>
+              <a:buFont typeface="Arial" panose="020B0604020202020204" pitchFamily="34" charset="0"/>
+              <a:buChar char="•"/>
+              <a:defRPr sz="1800" kern="1200">
+                <a:solidFill>
+                  <a:schemeClr val="tx1"/>
+                </a:solidFill>
+                <a:latin typeface="+mn-lt"/>
+                <a:ea typeface="+mn-ea"/>
+                <a:cs typeface="+mn-cs"/>
+              </a:defRPr>
+            </a:lvl8pPr>
+            <a:lvl9pPr marL="3886200" indent="-228600" algn="l" defTabSz="914400" rtl="0" eaLnBrk="1" latinLnBrk="0" hangingPunct="1">
+              <a:lnSpc>
+                <a:spcPct val="90000"/>
+              </a:lnSpc>
+              <a:spcBef>
+                <a:spcPts val="500"/>
+              </a:spcBef>
+              <a:buFont typeface="Arial" panose="020B0604020202020204" pitchFamily="34" charset="0"/>
+              <a:buChar char="•"/>
+              <a:defRPr sz="1800" kern="1200">
+                <a:solidFill>
+                  <a:schemeClr val="tx1"/>
+                </a:solidFill>
+                <a:latin typeface="+mn-lt"/>
+                <a:ea typeface="+mn-ea"/>
+                <a:cs typeface="+mn-cs"/>
+              </a:defRPr>
+            </a:lvl9pPr>
+          </a:lstStyle>
+          <a:p>
+            <a:pPr>
+              <a:lnSpc>
+                <a:spcPct val="210000"/>
+              </a:lnSpc>
+            </a:pPr>
+            <a:endParaRPr lang="zh-CN" altLang="en-US" sz="1600" dirty="0"/>
+          </a:p>
+        </p:txBody>
+      </p:sp>
       <p:pic>
         <p:nvPicPr>
-          <p:cNvPr id="4" name="图片 3">
-            <a:extLst>
-              <a:ext uri="{FF2B5EF4-FFF2-40B4-BE49-F238E27FC236}">
-                <a16:creationId xmlns:a16="http://schemas.microsoft.com/office/drawing/2014/main" id="{AA65E489-C4C2-49AC-AC65-049A4A681116}"/>
-              </a:ext>
-            </a:extLst>
-          </p:cNvPr>
-          <p:cNvPicPr/>
+          <p:cNvPr id="11" name="图片 10">
+            <a:extLst>
+              <a:ext uri="{FF2B5EF4-FFF2-40B4-BE49-F238E27FC236}">
+                <a16:creationId xmlns:a16="http://schemas.microsoft.com/office/drawing/2014/main" id="{2C8DD373-A667-B646-B328-8E4058A302DA}"/>
+              </a:ext>
+            </a:extLst>
+          </p:cNvPr>
+          <p:cNvPicPr>
+            <a:picLocks noChangeAspect="1"/>
+          </p:cNvPicPr>
           <p:nvPr/>
         </p:nvPicPr>
         <p:blipFill>
@@ -3804,73 +4584,18 @@
         </p:blipFill>
         <p:spPr>
           <a:xfrm>
-            <a:off x="5693332" y="623583"/>
-            <a:ext cx="5828525" cy="5610833"/>
+            <a:off x="6096000" y="2161857"/>
+            <a:ext cx="5419264" cy="3859806"/>
           </a:xfrm>
           <a:prstGeom prst="rect">
             <a:avLst/>
           </a:prstGeom>
         </p:spPr>
       </p:pic>
-      <p:sp>
-        <p:nvSpPr>
-          <p:cNvPr id="5" name="标题 1">
-            <a:extLst>
-              <a:ext uri="{FF2B5EF4-FFF2-40B4-BE49-F238E27FC236}">
-                <a16:creationId xmlns:a16="http://schemas.microsoft.com/office/drawing/2014/main" id="{7C1161A6-6255-4CB2-B3F0-00EC639E66DF}"/>
-              </a:ext>
-            </a:extLst>
-          </p:cNvPr>
-          <p:cNvSpPr txBox="1">
-            <a:spLocks/>
-          </p:cNvSpPr>
-          <p:nvPr/>
-        </p:nvSpPr>
-        <p:spPr>
-          <a:xfrm>
-            <a:off x="670143" y="400890"/>
-            <a:ext cx="5172635" cy="903661"/>
-          </a:xfrm>
-          <a:prstGeom prst="rect">
-            <a:avLst/>
-          </a:prstGeom>
-        </p:spPr>
-        <p:txBody>
-          <a:bodyPr vert="horz" lIns="91440" tIns="45720" rIns="91440" bIns="45720" rtlCol="0" anchor="ctr">
-            <a:normAutofit/>
-          </a:bodyPr>
-          <a:lstStyle>
-            <a:lvl1pPr algn="l" defTabSz="914400" rtl="0" eaLnBrk="1" latinLnBrk="0" hangingPunct="1">
-              <a:lnSpc>
-                <a:spcPct val="90000"/>
-              </a:lnSpc>
-              <a:spcBef>
-                <a:spcPct val="0"/>
-              </a:spcBef>
-              <a:buNone/>
-              <a:defRPr sz="4400" kern="1200">
-                <a:solidFill>
-                  <a:schemeClr val="tx1"/>
-                </a:solidFill>
-                <a:latin typeface="+mj-lt"/>
-                <a:ea typeface="+mj-ea"/>
-                <a:cs typeface="+mj-cs"/>
-              </a:defRPr>
-            </a:lvl1pPr>
-          </a:lstStyle>
-          <a:p>
-            <a:r>
-              <a:rPr lang="en-US" altLang="zh-CN" dirty="0"/>
-              <a:t>System Architecture</a:t>
-            </a:r>
-            <a:endParaRPr lang="zh-CN" altLang="en-US" dirty="0"/>
-          </a:p>
-        </p:txBody>
-      </p:sp>
     </p:spTree>
     <p:extLst>
       <p:ext uri="{BB962C8B-B14F-4D97-AF65-F5344CB8AC3E}">
-        <p14:creationId xmlns:p14="http://schemas.microsoft.com/office/powerpoint/2010/main" val="3722466962"/>
+        <p14:creationId xmlns:p14="http://schemas.microsoft.com/office/powerpoint/2010/main" val="1769837915"/>
       </p:ext>
     </p:extLst>
   </p:cSld>
@@ -3897,72 +4622,582 @@
           <a:chExt cx="0" cy="0"/>
         </a:xfrm>
       </p:grpSpPr>
-      <p:sp>
-        <p:nvSpPr>
-          <p:cNvPr id="2" name="标题 1">
-            <a:extLst>
-              <a:ext uri="{FF2B5EF4-FFF2-40B4-BE49-F238E27FC236}">
-                <a16:creationId xmlns:a16="http://schemas.microsoft.com/office/drawing/2014/main" id="{18193699-411E-4F70-A145-990C2B631342}"/>
-              </a:ext>
-            </a:extLst>
-          </p:cNvPr>
-          <p:cNvSpPr>
-            <a:spLocks noGrp="1"/>
-          </p:cNvSpPr>
-          <p:nvPr>
-            <p:ph type="title"/>
-          </p:nvPr>
-        </p:nvSpPr>
-        <p:spPr/>
-        <p:txBody>
-          <a:bodyPr/>
-          <a:lstStyle/>
-          <a:p>
-            <a:r>
-              <a:rPr lang="en-US" altLang="zh-CN" dirty="0"/>
-              <a:t>Web Frontend and Scenarios</a:t>
-            </a:r>
-            <a:endParaRPr lang="zh-CN" altLang="en-US" dirty="0"/>
-          </a:p>
-        </p:txBody>
-      </p:sp>
-      <p:sp>
-        <p:nvSpPr>
-          <p:cNvPr id="3" name="内容占位符 2">
-            <a:extLst>
-              <a:ext uri="{FF2B5EF4-FFF2-40B4-BE49-F238E27FC236}">
-                <a16:creationId xmlns:a16="http://schemas.microsoft.com/office/drawing/2014/main" id="{FE08CE50-8DA5-4C1C-9C20-3E7AE39291A0}"/>
-              </a:ext>
-            </a:extLst>
-          </p:cNvPr>
-          <p:cNvSpPr>
-            <a:spLocks noGrp="1"/>
-          </p:cNvSpPr>
-          <p:nvPr>
-            <p:ph idx="1"/>
-          </p:nvPr>
-        </p:nvSpPr>
+      <p:pic>
+        <p:nvPicPr>
+          <p:cNvPr id="4" name="图片 3">
+            <a:extLst>
+              <a:ext uri="{FF2B5EF4-FFF2-40B4-BE49-F238E27FC236}">
+                <a16:creationId xmlns:a16="http://schemas.microsoft.com/office/drawing/2014/main" id="{AA65E489-C4C2-49AC-AC65-049A4A681116}"/>
+              </a:ext>
+            </a:extLst>
+          </p:cNvPr>
+          <p:cNvPicPr/>
+          <p:nvPr/>
+        </p:nvPicPr>
+        <p:blipFill>
+          <a:blip r:embed="rId2">
+            <a:extLst>
+              <a:ext uri="{28A0092B-C50C-407E-A947-70E740481C1C}">
+                <a14:useLocalDpi xmlns:a14="http://schemas.microsoft.com/office/drawing/2010/main" val="0"/>
+              </a:ext>
+            </a:extLst>
+          </a:blip>
+          <a:stretch>
+            <a:fillRect/>
+          </a:stretch>
+        </p:blipFill>
         <p:spPr>
           <a:xfrm>
-            <a:off x="838200" y="1771838"/>
-            <a:ext cx="10515600" cy="4351338"/>
+            <a:off x="5864468" y="731587"/>
+            <a:ext cx="6255548" cy="6021907"/>
+          </a:xfrm>
+          <a:prstGeom prst="rect">
+            <a:avLst/>
+          </a:prstGeom>
+        </p:spPr>
+      </p:pic>
+      <p:sp>
+        <p:nvSpPr>
+          <p:cNvPr id="5" name="标题 1">
+            <a:extLst>
+              <a:ext uri="{FF2B5EF4-FFF2-40B4-BE49-F238E27FC236}">
+                <a16:creationId xmlns:a16="http://schemas.microsoft.com/office/drawing/2014/main" id="{7C1161A6-6255-4CB2-B3F0-00EC639E66DF}"/>
+              </a:ext>
+            </a:extLst>
+          </p:cNvPr>
+          <p:cNvSpPr txBox="1">
+            <a:spLocks/>
+          </p:cNvSpPr>
+          <p:nvPr/>
+        </p:nvSpPr>
+        <p:spPr>
+          <a:xfrm>
+            <a:off x="381908" y="132533"/>
+            <a:ext cx="5172635" cy="903661"/>
+          </a:xfrm>
+          <a:prstGeom prst="rect">
+            <a:avLst/>
+          </a:prstGeom>
+        </p:spPr>
+        <p:txBody>
+          <a:bodyPr vert="horz" lIns="91440" tIns="45720" rIns="91440" bIns="45720" rtlCol="0" anchor="ctr">
+            <a:normAutofit/>
+          </a:bodyPr>
+          <a:lstStyle>
+            <a:lvl1pPr algn="l" defTabSz="914400" rtl="0" eaLnBrk="1" latinLnBrk="0" hangingPunct="1">
+              <a:lnSpc>
+                <a:spcPct val="90000"/>
+              </a:lnSpc>
+              <a:spcBef>
+                <a:spcPct val="0"/>
+              </a:spcBef>
+              <a:buNone/>
+              <a:defRPr sz="4400" kern="1200">
+                <a:solidFill>
+                  <a:schemeClr val="tx1"/>
+                </a:solidFill>
+                <a:latin typeface="+mj-lt"/>
+                <a:ea typeface="+mj-ea"/>
+                <a:cs typeface="+mj-cs"/>
+              </a:defRPr>
+            </a:lvl1pPr>
+          </a:lstStyle>
+          <a:p>
+            <a:r>
+              <a:rPr lang="en-US" altLang="zh-CN" dirty="0"/>
+              <a:t>System Design</a:t>
+            </a:r>
+          </a:p>
+        </p:txBody>
+      </p:sp>
+      <p:sp>
+        <p:nvSpPr>
+          <p:cNvPr id="6" name="内容占位符 2">
+            <a:extLst>
+              <a:ext uri="{FF2B5EF4-FFF2-40B4-BE49-F238E27FC236}">
+                <a16:creationId xmlns:a16="http://schemas.microsoft.com/office/drawing/2014/main" id="{8E78708F-46FB-1448-9ED6-CDDA5ECD6F40}"/>
+              </a:ext>
+            </a:extLst>
+          </p:cNvPr>
+          <p:cNvSpPr>
+            <a:spLocks noGrp="1"/>
+          </p:cNvSpPr>
+          <p:nvPr>
+            <p:ph idx="1"/>
+          </p:nvPr>
+        </p:nvSpPr>
+        <p:spPr>
+          <a:xfrm>
+            <a:off x="381908" y="1140925"/>
+            <a:ext cx="5482560" cy="5203233"/>
           </a:xfrm>
         </p:spPr>
         <p:txBody>
           <a:bodyPr>
-            <a:normAutofit fontScale="92500"/>
+            <a:normAutofit/>
           </a:bodyPr>
           <a:lstStyle/>
           <a:p>
+            <a:r>
+              <a:rPr lang="en-US" altLang="zh-CN" dirty="0"/>
+              <a:t>1</a:t>
+            </a:r>
+            <a:r>
+              <a:rPr lang="zh-CN" altLang="en-US" dirty="0"/>
+              <a:t> </a:t>
+            </a:r>
+            <a:r>
+              <a:rPr lang="en-US" altLang="zh-CN" dirty="0"/>
+              <a:t>stand-alone</a:t>
+            </a:r>
+            <a:r>
+              <a:rPr lang="zh-CN" altLang="en-US" dirty="0"/>
+              <a:t> </a:t>
+            </a:r>
+            <a:r>
+              <a:rPr lang="en-US" altLang="zh-CN" dirty="0"/>
+              <a:t>instance</a:t>
+            </a:r>
+          </a:p>
+          <a:p>
+            <a:pPr lvl="1"/>
+            <a:r>
+              <a:rPr lang="en-US" altLang="zh-CN" dirty="0"/>
+              <a:t>Data</a:t>
+            </a:r>
+            <a:r>
+              <a:rPr lang="zh-CN" altLang="en-US" dirty="0"/>
+              <a:t> </a:t>
+            </a:r>
+            <a:r>
+              <a:rPr lang="en-US" altLang="zh-CN" dirty="0"/>
+              <a:t>harvest</a:t>
+            </a:r>
+          </a:p>
+          <a:p>
+            <a:pPr lvl="1"/>
+            <a:r>
+              <a:rPr lang="en-US" altLang="zh-CN" dirty="0"/>
+              <a:t>Preprocess</a:t>
+            </a:r>
+            <a:r>
+              <a:rPr lang="zh-CN" altLang="en-US" dirty="0"/>
+              <a:t> </a:t>
+            </a:r>
+            <a:r>
+              <a:rPr lang="en-US" altLang="zh-CN" dirty="0"/>
+              <a:t>and</a:t>
+            </a:r>
+            <a:r>
+              <a:rPr lang="zh-CN" altLang="en-US" dirty="0"/>
+              <a:t> </a:t>
+            </a:r>
+            <a:r>
+              <a:rPr lang="en-US" altLang="zh-CN" dirty="0"/>
+              <a:t>analysis</a:t>
+            </a:r>
+          </a:p>
+          <a:p>
+            <a:pPr lvl="1"/>
             <a:endParaRPr lang="en-US" altLang="zh-CN" dirty="0"/>
           </a:p>
           <a:p>
+            <a:pPr lvl="0"/>
+            <a:r>
+              <a:rPr lang="en-US" altLang="zh-CN" dirty="0">
+                <a:solidFill>
+                  <a:prstClr val="black"/>
+                </a:solidFill>
+              </a:rPr>
+              <a:t>3</a:t>
+            </a:r>
+            <a:r>
+              <a:rPr lang="zh-CN" altLang="en-US" dirty="0">
+                <a:solidFill>
+                  <a:prstClr val="black"/>
+                </a:solidFill>
+              </a:rPr>
+              <a:t> </a:t>
+            </a:r>
+            <a:r>
+              <a:rPr lang="en-US" altLang="zh-CN" dirty="0">
+                <a:solidFill>
+                  <a:prstClr val="black"/>
+                </a:solidFill>
+              </a:rPr>
+              <a:t>instances</a:t>
+            </a:r>
+            <a:r>
+              <a:rPr lang="zh-CN" altLang="en-US" dirty="0">
+                <a:solidFill>
+                  <a:prstClr val="black"/>
+                </a:solidFill>
+              </a:rPr>
+              <a:t> </a:t>
+            </a:r>
+            <a:r>
+              <a:rPr lang="en-US" altLang="zh-CN" dirty="0">
+                <a:solidFill>
+                  <a:prstClr val="black"/>
+                </a:solidFill>
+              </a:rPr>
+              <a:t>for</a:t>
+            </a:r>
+            <a:r>
+              <a:rPr lang="zh-CN" altLang="en-US" dirty="0">
+                <a:solidFill>
+                  <a:prstClr val="black"/>
+                </a:solidFill>
+              </a:rPr>
+              <a:t> </a:t>
+            </a:r>
+            <a:r>
+              <a:rPr lang="en-US" altLang="zh-CN" dirty="0">
+                <a:solidFill>
+                  <a:prstClr val="black"/>
+                </a:solidFill>
+              </a:rPr>
+              <a:t>CouchDB</a:t>
+            </a:r>
+            <a:r>
+              <a:rPr lang="zh-CN" altLang="en-US" dirty="0">
+                <a:solidFill>
+                  <a:prstClr val="black"/>
+                </a:solidFill>
+              </a:rPr>
+              <a:t> </a:t>
+            </a:r>
+            <a:r>
+              <a:rPr lang="en-US" altLang="zh-CN" dirty="0">
+                <a:solidFill>
+                  <a:prstClr val="black"/>
+                </a:solidFill>
+              </a:rPr>
+              <a:t>cluster</a:t>
+            </a:r>
+          </a:p>
+          <a:p>
+            <a:pPr lvl="1"/>
+            <a:r>
+              <a:rPr lang="en-US" altLang="zh-CN" dirty="0">
+                <a:solidFill>
+                  <a:prstClr val="black"/>
+                </a:solidFill>
+              </a:rPr>
+              <a:t>Deployed</a:t>
+            </a:r>
+            <a:r>
+              <a:rPr lang="zh-CN" altLang="en-US" dirty="0">
+                <a:solidFill>
+                  <a:prstClr val="black"/>
+                </a:solidFill>
+              </a:rPr>
+              <a:t> </a:t>
+            </a:r>
+            <a:r>
+              <a:rPr lang="en-US" altLang="zh-CN" dirty="0">
+                <a:solidFill>
+                  <a:prstClr val="black"/>
+                </a:solidFill>
+              </a:rPr>
+              <a:t>by</a:t>
+            </a:r>
+            <a:r>
+              <a:rPr lang="zh-CN" altLang="en-US" dirty="0">
+                <a:solidFill>
+                  <a:prstClr val="black"/>
+                </a:solidFill>
+              </a:rPr>
+              <a:t> </a:t>
+            </a:r>
+            <a:r>
+              <a:rPr lang="en-US" altLang="zh-CN" dirty="0">
+                <a:solidFill>
+                  <a:prstClr val="black"/>
+                </a:solidFill>
+              </a:rPr>
+              <a:t>Ansible</a:t>
+            </a:r>
+            <a:r>
+              <a:rPr lang="zh-CN" altLang="en-US" dirty="0">
+                <a:solidFill>
+                  <a:prstClr val="black"/>
+                </a:solidFill>
+              </a:rPr>
+              <a:t> </a:t>
+            </a:r>
+            <a:r>
+              <a:rPr lang="en-US" altLang="zh-CN" dirty="0">
+                <a:solidFill>
+                  <a:prstClr val="black"/>
+                </a:solidFill>
+              </a:rPr>
+              <a:t>script</a:t>
+            </a:r>
+          </a:p>
+          <a:p>
+            <a:pPr lvl="1"/>
+            <a:r>
+              <a:rPr lang="en-US" altLang="zh-CN" dirty="0">
+                <a:solidFill>
+                  <a:prstClr val="black"/>
+                </a:solidFill>
+              </a:rPr>
+              <a:t>Run</a:t>
+            </a:r>
+            <a:r>
+              <a:rPr lang="zh-CN" altLang="en-US" dirty="0">
+                <a:solidFill>
+                  <a:prstClr val="black"/>
+                </a:solidFill>
+              </a:rPr>
+              <a:t> </a:t>
+            </a:r>
+            <a:r>
+              <a:rPr lang="en-US" altLang="zh-CN" dirty="0">
+                <a:solidFill>
+                  <a:prstClr val="black"/>
+                </a:solidFill>
+              </a:rPr>
+              <a:t>in</a:t>
+            </a:r>
+            <a:r>
+              <a:rPr lang="zh-CN" altLang="en-US" dirty="0">
+                <a:solidFill>
+                  <a:prstClr val="black"/>
+                </a:solidFill>
+              </a:rPr>
+              <a:t> </a:t>
+            </a:r>
+            <a:r>
+              <a:rPr lang="en-US" altLang="zh-CN" dirty="0">
+                <a:solidFill>
+                  <a:prstClr val="black"/>
+                </a:solidFill>
+              </a:rPr>
+              <a:t>Docker</a:t>
+            </a:r>
+            <a:r>
+              <a:rPr lang="zh-CN" altLang="en-US" dirty="0">
+                <a:solidFill>
+                  <a:prstClr val="black"/>
+                </a:solidFill>
+              </a:rPr>
+              <a:t> </a:t>
+            </a:r>
+            <a:r>
+              <a:rPr lang="en-US" altLang="zh-CN" dirty="0">
+                <a:solidFill>
+                  <a:prstClr val="black"/>
+                </a:solidFill>
+              </a:rPr>
+              <a:t>Containers</a:t>
+            </a:r>
+          </a:p>
+          <a:p>
+            <a:pPr lvl="1"/>
+            <a:r>
+              <a:rPr lang="en-US" altLang="zh-CN" dirty="0">
+                <a:solidFill>
+                  <a:prstClr val="black"/>
+                </a:solidFill>
+              </a:rPr>
+              <a:t>MapReduce</a:t>
+            </a:r>
+            <a:r>
+              <a:rPr lang="zh-CN" altLang="en-US" dirty="0">
+                <a:solidFill>
+                  <a:prstClr val="black"/>
+                </a:solidFill>
+              </a:rPr>
+              <a:t> </a:t>
+            </a:r>
+            <a:r>
+              <a:rPr lang="en-US" altLang="zh-CN" dirty="0">
+                <a:solidFill>
+                  <a:prstClr val="black"/>
+                </a:solidFill>
+              </a:rPr>
+              <a:t>views</a:t>
+            </a:r>
+          </a:p>
+          <a:p>
+            <a:pPr lvl="1"/>
+            <a:r>
+              <a:rPr lang="en-US" altLang="zh-CN" dirty="0">
+                <a:solidFill>
+                  <a:prstClr val="black"/>
+                </a:solidFill>
+              </a:rPr>
+              <a:t>RESTful</a:t>
+            </a:r>
+            <a:r>
+              <a:rPr lang="zh-CN" altLang="en-US" dirty="0">
+                <a:solidFill>
+                  <a:prstClr val="black"/>
+                </a:solidFill>
+              </a:rPr>
+              <a:t> </a:t>
+            </a:r>
+            <a:r>
+              <a:rPr lang="en-US" altLang="zh-CN" dirty="0">
+                <a:solidFill>
+                  <a:prstClr val="black"/>
+                </a:solidFill>
+              </a:rPr>
+              <a:t>APIs</a:t>
+            </a:r>
+            <a:r>
+              <a:rPr lang="zh-CN" altLang="en-US" dirty="0">
+                <a:solidFill>
+                  <a:prstClr val="black"/>
+                </a:solidFill>
+              </a:rPr>
+              <a:t> </a:t>
+            </a:r>
+            <a:r>
+              <a:rPr lang="en-US" altLang="zh-CN" dirty="0">
+                <a:solidFill>
+                  <a:prstClr val="black"/>
+                </a:solidFill>
+              </a:rPr>
+              <a:t>for</a:t>
+            </a:r>
+            <a:r>
+              <a:rPr lang="zh-CN" altLang="en-US" dirty="0">
+                <a:solidFill>
+                  <a:prstClr val="black"/>
+                </a:solidFill>
+              </a:rPr>
+              <a:t> </a:t>
+            </a:r>
+            <a:r>
+              <a:rPr lang="en-US" altLang="zh-CN" dirty="0">
+                <a:solidFill>
+                  <a:prstClr val="black"/>
+                </a:solidFill>
+              </a:rPr>
+              <a:t>frontend</a:t>
+            </a:r>
+          </a:p>
+          <a:p>
+            <a:pPr lvl="1"/>
+            <a:r>
+              <a:rPr lang="en-US" altLang="zh-CN" dirty="0">
+                <a:solidFill>
+                  <a:prstClr val="black"/>
+                </a:solidFill>
+              </a:rPr>
+              <a:t>No</a:t>
+            </a:r>
+            <a:r>
+              <a:rPr lang="zh-CN" altLang="en-US" dirty="0">
+                <a:solidFill>
+                  <a:prstClr val="black"/>
+                </a:solidFill>
+              </a:rPr>
+              <a:t> </a:t>
+            </a:r>
+            <a:r>
+              <a:rPr lang="en-US" altLang="zh-CN" dirty="0">
+                <a:solidFill>
+                  <a:prstClr val="black"/>
+                </a:solidFill>
+              </a:rPr>
+              <a:t>independent</a:t>
+            </a:r>
+            <a:r>
+              <a:rPr lang="zh-CN" altLang="en-US" dirty="0">
+                <a:solidFill>
+                  <a:prstClr val="black"/>
+                </a:solidFill>
+              </a:rPr>
+              <a:t> </a:t>
+            </a:r>
+            <a:r>
+              <a:rPr lang="en-US" altLang="zh-CN" dirty="0">
+                <a:solidFill>
+                  <a:prstClr val="black"/>
+                </a:solidFill>
+              </a:rPr>
+              <a:t>backend</a:t>
+            </a:r>
+            <a:r>
+              <a:rPr lang="zh-CN" altLang="en-US" dirty="0">
+                <a:solidFill>
+                  <a:prstClr val="black"/>
+                </a:solidFill>
+              </a:rPr>
+              <a:t> </a:t>
+            </a:r>
+            <a:r>
+              <a:rPr lang="en-US" altLang="zh-CN">
+                <a:solidFill>
+                  <a:prstClr val="black"/>
+                </a:solidFill>
+              </a:rPr>
+              <a:t>required</a:t>
+            </a:r>
+            <a:endParaRPr lang="en-US" altLang="zh-CN" dirty="0">
+              <a:solidFill>
+                <a:prstClr val="black"/>
+              </a:solidFill>
+            </a:endParaRPr>
+          </a:p>
+          <a:p>
+            <a:pPr lvl="1"/>
+            <a:endParaRPr lang="en-US" altLang="zh-CN" dirty="0">
+              <a:solidFill>
+                <a:prstClr val="black"/>
+              </a:solidFill>
+            </a:endParaRPr>
+          </a:p>
+          <a:p>
+            <a:pPr lvl="1"/>
+            <a:endParaRPr lang="en-US" altLang="zh-CN" dirty="0">
+              <a:solidFill>
+                <a:prstClr val="black"/>
+              </a:solidFill>
+            </a:endParaRPr>
+          </a:p>
+          <a:p>
+            <a:pPr lvl="1"/>
+            <a:endParaRPr lang="en-US" altLang="zh-CN" dirty="0">
+              <a:solidFill>
+                <a:prstClr val="black"/>
+              </a:solidFill>
+            </a:endParaRPr>
+          </a:p>
+          <a:p>
+            <a:pPr lvl="1"/>
+            <a:endParaRPr lang="en-US" altLang="zh-CN" dirty="0">
+              <a:solidFill>
+                <a:prstClr val="black"/>
+              </a:solidFill>
+            </a:endParaRPr>
+          </a:p>
+          <a:p>
+            <a:pPr lvl="1"/>
+            <a:endParaRPr lang="en-US" altLang="zh-CN" dirty="0">
+              <a:solidFill>
+                <a:prstClr val="black"/>
+              </a:solidFill>
+            </a:endParaRPr>
+          </a:p>
+          <a:p>
+            <a:pPr lvl="1"/>
             <a:endParaRPr lang="en-US" altLang="zh-CN" dirty="0"/>
           </a:p>
           <a:p>
+            <a:pPr marL="457200" lvl="1" indent="0">
+              <a:buNone/>
+            </a:pPr>
             <a:endParaRPr lang="en-US" altLang="zh-CN" dirty="0"/>
           </a:p>
           <a:p>
+            <a:pPr marL="457200" lvl="1" indent="0">
+              <a:buNone/>
+            </a:pPr>
             <a:endParaRPr lang="en-US" altLang="zh-CN" dirty="0"/>
           </a:p>
           <a:p>
@@ -3975,27 +5210,29 @@
             <a:endParaRPr lang="en-US" altLang="zh-CN" dirty="0"/>
           </a:p>
           <a:p>
-            <a:r>
-              <a:rPr lang="en-US" altLang="zh-CN" dirty="0"/>
-              <a:t>YouTube URL: </a:t>
-            </a:r>
-            <a:r>
-              <a:rPr lang="en-US" altLang="zh-CN" dirty="0">
-                <a:hlinkClick r:id="rId2"/>
-              </a:rPr>
-              <a:t>https://www.youtube.com/watch?v=BDCcR_rYeBE&amp;feature=youtu.be</a:t>
-            </a:r>
             <a:endParaRPr lang="en-US" altLang="zh-CN" dirty="0"/>
           </a:p>
           <a:p>
-            <a:endParaRPr lang="zh-CN" altLang="en-US" dirty="0"/>
+            <a:endParaRPr lang="en-US" altLang="zh-CN" dirty="0"/>
+          </a:p>
+          <a:p>
+            <a:endParaRPr lang="en-US" altLang="zh-CN" dirty="0"/>
+          </a:p>
+          <a:p>
+            <a:endParaRPr lang="en-US" altLang="zh-CN" dirty="0"/>
+          </a:p>
+          <a:p>
+            <a:endParaRPr lang="en-US" altLang="zh-CN" dirty="0"/>
+          </a:p>
+          <a:p>
+            <a:endParaRPr lang="en-US" altLang="zh-CN" dirty="0"/>
           </a:p>
         </p:txBody>
       </p:sp>
     </p:spTree>
     <p:extLst>
       <p:ext uri="{BB962C8B-B14F-4D97-AF65-F5344CB8AC3E}">
-        <p14:creationId xmlns:p14="http://schemas.microsoft.com/office/powerpoint/2010/main" val="1769837915"/>
+        <p14:creationId xmlns:p14="http://schemas.microsoft.com/office/powerpoint/2010/main" val="3722466962"/>
       </p:ext>
     </p:extLst>
   </p:cSld>

--- a/presentation.pptx
+++ b/presentation.pptx
@@ -115,7 +115,7 @@
 </file>
 
 <file path=ppt/slideLayouts/slideLayout1.xml><?xml version="1.0" encoding="utf-8"?>
-<p:sldLayout xmlns:a="http://schemas.openxmlformats.org/drawingml/2006/main" xmlns:r="http://schemas.openxmlformats.org/officeDocument/2006/relationships" xmlns:p="http://schemas.openxmlformats.org/presentationml/2006/main" type="title" preserve="1">
+<p:sldLayout xmlns:a="http://schemas.openxmlformats.org/drawingml/2006/main" xmlns:r="http://schemas.openxmlformats.org/officeDocument/2006/relationships" xmlns:p="http://schemas.openxmlformats.org/presentationml/2006/main" showMasterSp="0" type="title" preserve="1">
   <p:cSld name="标题幻灯片">
     <p:spTree>
       <p:nvGrpSpPr>
@@ -335,7 +335,7 @@
 </file>
 
 <file path=ppt/slideLayouts/slideLayout10.xml><?xml version="1.0" encoding="utf-8"?>
-<p:sldLayout xmlns:a="http://schemas.openxmlformats.org/drawingml/2006/main" xmlns:r="http://schemas.openxmlformats.org/officeDocument/2006/relationships" xmlns:p="http://schemas.openxmlformats.org/presentationml/2006/main" type="vertTx" preserve="1">
+<p:sldLayout xmlns:a="http://schemas.openxmlformats.org/drawingml/2006/main" xmlns:r="http://schemas.openxmlformats.org/officeDocument/2006/relationships" xmlns:p="http://schemas.openxmlformats.org/presentationml/2006/main" showMasterSp="0" type="vertTx" preserve="1">
   <p:cSld name="标题和竖排文字">
     <p:spTree>
       <p:nvGrpSpPr>
@@ -533,7 +533,7 @@
 </file>
 
 <file path=ppt/slideLayouts/slideLayout11.xml><?xml version="1.0" encoding="utf-8"?>
-<p:sldLayout xmlns:a="http://schemas.openxmlformats.org/drawingml/2006/main" xmlns:r="http://schemas.openxmlformats.org/officeDocument/2006/relationships" xmlns:p="http://schemas.openxmlformats.org/presentationml/2006/main" type="vertTitleAndTx" preserve="1">
+<p:sldLayout xmlns:a="http://schemas.openxmlformats.org/drawingml/2006/main" xmlns:r="http://schemas.openxmlformats.org/officeDocument/2006/relationships" xmlns:p="http://schemas.openxmlformats.org/presentationml/2006/main" showMasterSp="0" type="vertTitleAndTx" preserve="1">
   <p:cSld name="竖排标题与文本">
     <p:spTree>
       <p:nvGrpSpPr>
@@ -741,7 +741,7 @@
 </file>
 
 <file path=ppt/slideLayouts/slideLayout2.xml><?xml version="1.0" encoding="utf-8"?>
-<p:sldLayout xmlns:a="http://schemas.openxmlformats.org/drawingml/2006/main" xmlns:r="http://schemas.openxmlformats.org/officeDocument/2006/relationships" xmlns:p="http://schemas.openxmlformats.org/presentationml/2006/main" type="obj" preserve="1">
+<p:sldLayout xmlns:a="http://schemas.openxmlformats.org/drawingml/2006/main" xmlns:r="http://schemas.openxmlformats.org/officeDocument/2006/relationships" xmlns:p="http://schemas.openxmlformats.org/presentationml/2006/main" showMasterSp="0" type="obj" preserve="1">
   <p:cSld name="标题和内容">
     <p:spTree>
       <p:nvGrpSpPr>
@@ -939,7 +939,7 @@
 </file>
 
 <file path=ppt/slideLayouts/slideLayout3.xml><?xml version="1.0" encoding="utf-8"?>
-<p:sldLayout xmlns:a="http://schemas.openxmlformats.org/drawingml/2006/main" xmlns:r="http://schemas.openxmlformats.org/officeDocument/2006/relationships" xmlns:p="http://schemas.openxmlformats.org/presentationml/2006/main" type="secHead" preserve="1">
+<p:sldLayout xmlns:a="http://schemas.openxmlformats.org/drawingml/2006/main" xmlns:r="http://schemas.openxmlformats.org/officeDocument/2006/relationships" xmlns:p="http://schemas.openxmlformats.org/presentationml/2006/main" showMasterSp="0" type="secHead" preserve="1">
   <p:cSld name="节标题">
     <p:spTree>
       <p:nvGrpSpPr>
@@ -1214,7 +1214,7 @@
 </file>
 
 <file path=ppt/slideLayouts/slideLayout4.xml><?xml version="1.0" encoding="utf-8"?>
-<p:sldLayout xmlns:a="http://schemas.openxmlformats.org/drawingml/2006/main" xmlns:r="http://schemas.openxmlformats.org/officeDocument/2006/relationships" xmlns:p="http://schemas.openxmlformats.org/presentationml/2006/main" type="twoObj" preserve="1">
+<p:sldLayout xmlns:a="http://schemas.openxmlformats.org/drawingml/2006/main" xmlns:r="http://schemas.openxmlformats.org/officeDocument/2006/relationships" xmlns:p="http://schemas.openxmlformats.org/presentationml/2006/main" showMasterSp="0" type="twoObj" preserve="1">
   <p:cSld name="两栏内容">
     <p:spTree>
       <p:nvGrpSpPr>
@@ -1479,7 +1479,7 @@
 </file>
 
 <file path=ppt/slideLayouts/slideLayout5.xml><?xml version="1.0" encoding="utf-8"?>
-<p:sldLayout xmlns:a="http://schemas.openxmlformats.org/drawingml/2006/main" xmlns:r="http://schemas.openxmlformats.org/officeDocument/2006/relationships" xmlns:p="http://schemas.openxmlformats.org/presentationml/2006/main" type="twoTxTwoObj" preserve="1">
+<p:sldLayout xmlns:a="http://schemas.openxmlformats.org/drawingml/2006/main" xmlns:r="http://schemas.openxmlformats.org/officeDocument/2006/relationships" xmlns:p="http://schemas.openxmlformats.org/presentationml/2006/main" showMasterSp="0" type="twoTxTwoObj" preserve="1">
   <p:cSld name="比较">
     <p:spTree>
       <p:nvGrpSpPr>
@@ -1891,7 +1891,7 @@
 </file>
 
 <file path=ppt/slideLayouts/slideLayout6.xml><?xml version="1.0" encoding="utf-8"?>
-<p:sldLayout xmlns:a="http://schemas.openxmlformats.org/drawingml/2006/main" xmlns:r="http://schemas.openxmlformats.org/officeDocument/2006/relationships" xmlns:p="http://schemas.openxmlformats.org/presentationml/2006/main" type="titleOnly" preserve="1">
+<p:sldLayout xmlns:a="http://schemas.openxmlformats.org/drawingml/2006/main" xmlns:r="http://schemas.openxmlformats.org/officeDocument/2006/relationships" xmlns:p="http://schemas.openxmlformats.org/presentationml/2006/main" showMasterSp="0" type="titleOnly" preserve="1">
   <p:cSld name="仅标题">
     <p:spTree>
       <p:nvGrpSpPr>
@@ -2032,7 +2032,7 @@
 </file>
 
 <file path=ppt/slideLayouts/slideLayout7.xml><?xml version="1.0" encoding="utf-8"?>
-<p:sldLayout xmlns:a="http://schemas.openxmlformats.org/drawingml/2006/main" xmlns:r="http://schemas.openxmlformats.org/officeDocument/2006/relationships" xmlns:p="http://schemas.openxmlformats.org/presentationml/2006/main" type="blank" preserve="1">
+<p:sldLayout xmlns:a="http://schemas.openxmlformats.org/drawingml/2006/main" xmlns:r="http://schemas.openxmlformats.org/officeDocument/2006/relationships" xmlns:p="http://schemas.openxmlformats.org/presentationml/2006/main" showMasterSp="0" type="blank" preserve="1">
   <p:cSld name="空白">
     <p:spTree>
       <p:nvGrpSpPr>
@@ -2145,7 +2145,7 @@
 </file>
 
 <file path=ppt/slideLayouts/slideLayout8.xml><?xml version="1.0" encoding="utf-8"?>
-<p:sldLayout xmlns:a="http://schemas.openxmlformats.org/drawingml/2006/main" xmlns:r="http://schemas.openxmlformats.org/officeDocument/2006/relationships" xmlns:p="http://schemas.openxmlformats.org/presentationml/2006/main" type="objTx" preserve="1">
+<p:sldLayout xmlns:a="http://schemas.openxmlformats.org/drawingml/2006/main" xmlns:r="http://schemas.openxmlformats.org/officeDocument/2006/relationships" xmlns:p="http://schemas.openxmlformats.org/presentationml/2006/main" showMasterSp="0" type="objTx" preserve="1">
   <p:cSld name="内容与标题">
     <p:spTree>
       <p:nvGrpSpPr>
@@ -2456,7 +2456,7 @@
 </file>
 
 <file path=ppt/slideLayouts/slideLayout9.xml><?xml version="1.0" encoding="utf-8"?>
-<p:sldLayout xmlns:a="http://schemas.openxmlformats.org/drawingml/2006/main" xmlns:r="http://schemas.openxmlformats.org/officeDocument/2006/relationships" xmlns:p="http://schemas.openxmlformats.org/presentationml/2006/main" type="picTx" preserve="1">
+<p:sldLayout xmlns:a="http://schemas.openxmlformats.org/drawingml/2006/main" xmlns:r="http://schemas.openxmlformats.org/officeDocument/2006/relationships" xmlns:p="http://schemas.openxmlformats.org/presentationml/2006/main" showMasterSp="0" type="picTx" preserve="1">
   <p:cSld name="图片与标题">
     <p:spTree>
       <p:nvGrpSpPr>
@@ -2747,9 +2747,12 @@
 <p:sldMaster xmlns:a="http://schemas.openxmlformats.org/drawingml/2006/main" xmlns:r="http://schemas.openxmlformats.org/officeDocument/2006/relationships" xmlns:p="http://schemas.openxmlformats.org/presentationml/2006/main">
   <p:cSld>
     <p:bg>
-      <p:bgRef idx="1001">
-        <a:schemeClr val="bg1"/>
-      </p:bgRef>
+      <p:bgPr>
+        <a:solidFill>
+          <a:schemeClr val="bg1"/>
+        </a:solidFill>
+        <a:effectLst/>
+      </p:bgPr>
     </p:bg>
     <p:spTree>
       <p:nvGrpSpPr>
@@ -3312,7 +3315,7 @@
 </file>
 
 <file path=ppt/slides/slide1.xml><?xml version="1.0" encoding="utf-8"?>
-<p:sld xmlns:a="http://schemas.openxmlformats.org/drawingml/2006/main" xmlns:r="http://schemas.openxmlformats.org/officeDocument/2006/relationships" xmlns:p="http://schemas.openxmlformats.org/presentationml/2006/main">
+<p:sld xmlns:a="http://schemas.openxmlformats.org/drawingml/2006/main" xmlns:r="http://schemas.openxmlformats.org/officeDocument/2006/relationships" xmlns:p="http://schemas.openxmlformats.org/presentationml/2006/main" showMasterSp="0">
   <p:cSld>
     <p:spTree>
       <p:nvGrpSpPr>
@@ -3355,10 +3358,10 @@
           <a:lstStyle/>
           <a:p>
             <a:r>
-              <a:rPr lang="en-US" altLang="zh-CN" dirty="0"/>
+              <a:rPr lang="en-US" altLang="zh-CN" b="1" dirty="0"/>
               <a:t>COMP90024 – Team 58</a:t>
             </a:r>
-            <a:endParaRPr lang="zh-CN" altLang="en-US" dirty="0"/>
+            <a:endParaRPr lang="zh-CN" altLang="en-US" b="1" dirty="0"/>
           </a:p>
         </p:txBody>
       </p:sp>
@@ -3767,7 +3770,7 @@
 </file>
 
 <file path=ppt/slides/slide2.xml><?xml version="1.0" encoding="utf-8"?>
-<p:sld xmlns:a="http://schemas.openxmlformats.org/drawingml/2006/main" xmlns:r="http://schemas.openxmlformats.org/officeDocument/2006/relationships" xmlns:p="http://schemas.openxmlformats.org/presentationml/2006/main">
+<p:sld xmlns:a="http://schemas.openxmlformats.org/drawingml/2006/main" xmlns:r="http://schemas.openxmlformats.org/officeDocument/2006/relationships" xmlns:p="http://schemas.openxmlformats.org/presentationml/2006/main" showMasterSp="0">
   <p:cSld>
     <p:spTree>
       <p:nvGrpSpPr>
@@ -3810,10 +3813,10 @@
           <a:lstStyle/>
           <a:p>
             <a:r>
-              <a:rPr lang="en-US" altLang="zh-CN" dirty="0"/>
+              <a:rPr lang="en-US" altLang="zh-CN" b="1" dirty="0"/>
               <a:t>Scenarios</a:t>
             </a:r>
-            <a:endParaRPr lang="zh-CN" altLang="en-US" dirty="0"/>
+            <a:endParaRPr lang="zh-CN" altLang="en-US" b="1" dirty="0"/>
           </a:p>
         </p:txBody>
       </p:sp>
@@ -3846,8 +3849,31 @@
           <a:lstStyle/>
           <a:p>
             <a:r>
+              <a:rPr lang="en-US" altLang="zh-CN" b="1" dirty="0"/>
+              <a:t>Tweets</a:t>
+            </a:r>
+            <a:r>
+              <a:rPr lang="zh-CN" altLang="en-US" b="1" dirty="0"/>
+              <a:t> </a:t>
+            </a:r>
+            <a:r>
+              <a:rPr lang="en-US" altLang="zh-CN" b="1" dirty="0"/>
+              <a:t>in</a:t>
+            </a:r>
+            <a:r>
+              <a:rPr lang="zh-CN" altLang="en-US" b="1" dirty="0"/>
+              <a:t> </a:t>
+            </a:r>
+            <a:r>
+              <a:rPr lang="en-US" altLang="zh-CN" b="1" dirty="0"/>
+              <a:t>Melbourne</a:t>
+            </a:r>
+          </a:p>
+          <a:p>
+            <a:pPr lvl="1"/>
+            <a:r>
               <a:rPr lang="en-US" altLang="zh-CN" dirty="0"/>
-              <a:t>Tweets</a:t>
+              <a:t>From</a:t>
             </a:r>
             <a:r>
               <a:rPr lang="zh-CN" altLang="en-US" dirty="0"/>
@@ -3855,7 +3881,7 @@
             </a:r>
             <a:r>
               <a:rPr lang="en-US" altLang="zh-CN" dirty="0"/>
-              <a:t>in</a:t>
+              <a:t>existing</a:t>
             </a:r>
             <a:r>
               <a:rPr lang="zh-CN" altLang="en-US" dirty="0"/>
@@ -3863,14 +3889,7 @@
             </a:r>
             <a:r>
               <a:rPr lang="en-US" altLang="zh-CN" dirty="0"/>
-              <a:t>Melbourne</a:t>
-            </a:r>
-          </a:p>
-          <a:p>
-            <a:pPr lvl="1"/>
-            <a:r>
-              <a:rPr lang="en-US" altLang="zh-CN" dirty="0"/>
-              <a:t>From</a:t>
+              <a:t>CouchDB</a:t>
             </a:r>
             <a:r>
               <a:rPr lang="zh-CN" altLang="en-US" dirty="0"/>
@@ -3878,7 +3897,7 @@
             </a:r>
             <a:r>
               <a:rPr lang="en-US" altLang="zh-CN" dirty="0"/>
-              <a:t>existing</a:t>
+              <a:t>and</a:t>
             </a:r>
             <a:r>
               <a:rPr lang="zh-CN" altLang="en-US" dirty="0"/>
@@ -3886,7 +3905,7 @@
             </a:r>
             <a:r>
               <a:rPr lang="en-US" altLang="zh-CN" dirty="0"/>
-              <a:t>CouchDB</a:t>
+              <a:t>Twitter</a:t>
             </a:r>
             <a:r>
               <a:rPr lang="zh-CN" altLang="en-US" dirty="0"/>
@@ -3894,7 +3913,14 @@
             </a:r>
             <a:r>
               <a:rPr lang="en-US" altLang="zh-CN" dirty="0"/>
-              <a:t>and</a:t>
+              <a:t>Developer.</a:t>
+            </a:r>
+          </a:p>
+          <a:p>
+            <a:pPr lvl="1"/>
+            <a:r>
+              <a:rPr lang="en-US" altLang="zh-CN" dirty="0"/>
+              <a:t>Divide</a:t>
             </a:r>
             <a:r>
               <a:rPr lang="zh-CN" altLang="en-US" dirty="0"/>
@@ -3902,7 +3928,7 @@
             </a:r>
             <a:r>
               <a:rPr lang="en-US" altLang="zh-CN" dirty="0"/>
-              <a:t>Twitter</a:t>
+              <a:t>into</a:t>
             </a:r>
             <a:r>
               <a:rPr lang="zh-CN" altLang="en-US" dirty="0"/>
@@ -3910,29 +3936,6 @@
             </a:r>
             <a:r>
               <a:rPr lang="en-US" altLang="zh-CN" dirty="0"/>
-              <a:t>Developer.</a:t>
-            </a:r>
-          </a:p>
-          <a:p>
-            <a:pPr lvl="1"/>
-            <a:r>
-              <a:rPr lang="en-US" altLang="zh-CN" dirty="0"/>
-              <a:t>Divide</a:t>
-            </a:r>
-            <a:r>
-              <a:rPr lang="zh-CN" altLang="en-US" dirty="0"/>
-              <a:t> </a:t>
-            </a:r>
-            <a:r>
-              <a:rPr lang="en-US" altLang="zh-CN" dirty="0"/>
-              <a:t>into</a:t>
-            </a:r>
-            <a:r>
-              <a:rPr lang="zh-CN" altLang="en-US" dirty="0"/>
-              <a:t> </a:t>
-            </a:r>
-            <a:r>
-              <a:rPr lang="en-US" altLang="zh-CN" dirty="0"/>
               <a:t>suburbs.</a:t>
             </a:r>
           </a:p>
@@ -3943,7 +3946,7 @@
           <a:p>
             <a:pPr lvl="0"/>
             <a:r>
-              <a:rPr lang="en-US" altLang="zh-CN" dirty="0">
+              <a:rPr lang="en-US" altLang="zh-CN" b="1" dirty="0">
                 <a:solidFill>
                   <a:prstClr val="black"/>
                 </a:solidFill>
@@ -3951,7 +3954,7 @@
               <a:t>Scenarios</a:t>
             </a:r>
             <a:r>
-              <a:rPr lang="zh-CN" altLang="en-US" dirty="0">
+              <a:rPr lang="zh-CN" altLang="en-US" b="1" dirty="0">
                 <a:solidFill>
                   <a:prstClr val="black"/>
                 </a:solidFill>
@@ -3959,7 +3962,7 @@
               <a:t> </a:t>
             </a:r>
             <a:r>
-              <a:rPr lang="en-US" altLang="zh-CN" dirty="0">
+              <a:rPr lang="en-US" altLang="zh-CN" b="1" dirty="0">
                 <a:solidFill>
                   <a:prstClr val="black"/>
                 </a:solidFill>
@@ -3967,7 +3970,7 @@
               <a:t>-</a:t>
             </a:r>
             <a:r>
-              <a:rPr lang="zh-CN" altLang="en-US" dirty="0">
+              <a:rPr lang="zh-CN" altLang="en-US" b="1" dirty="0">
                 <a:solidFill>
                   <a:prstClr val="black"/>
                 </a:solidFill>
@@ -3975,7 +3978,7 @@
               <a:t> </a:t>
             </a:r>
             <a:r>
-              <a:rPr lang="en-US" altLang="zh-CN" dirty="0">
+              <a:rPr lang="en-US" altLang="zh-CN" b="1" dirty="0">
                 <a:solidFill>
                   <a:prstClr val="black"/>
                 </a:solidFill>
@@ -4171,7 +4174,7 @@
           <a:p>
             <a:pPr lvl="0"/>
             <a:r>
-              <a:rPr lang="en-US" altLang="zh-CN" dirty="0">
+              <a:rPr lang="en-US" altLang="zh-CN" b="1" dirty="0">
                 <a:solidFill>
                   <a:prstClr val="black"/>
                 </a:solidFill>
@@ -4179,7 +4182,7 @@
               <a:t>Sentiment</a:t>
             </a:r>
             <a:r>
-              <a:rPr lang="zh-CN" altLang="en-US" dirty="0">
+              <a:rPr lang="zh-CN" altLang="en-US" b="1" dirty="0">
                 <a:solidFill>
                   <a:prstClr val="black"/>
                 </a:solidFill>
@@ -4187,7 +4190,7 @@
               <a:t> </a:t>
             </a:r>
             <a:r>
-              <a:rPr lang="en-US" altLang="zh-CN" dirty="0">
+              <a:rPr lang="en-US" altLang="zh-CN" b="1" dirty="0">
                 <a:solidFill>
                   <a:prstClr val="black"/>
                 </a:solidFill>
@@ -4584,8 +4587,8 @@
         </p:blipFill>
         <p:spPr>
           <a:xfrm>
-            <a:off x="6096000" y="2161857"/>
-            <a:ext cx="5419264" cy="3859806"/>
+            <a:off x="6176512" y="2586230"/>
+            <a:ext cx="5235234" cy="3728733"/>
           </a:xfrm>
           <a:prstGeom prst="rect">
             <a:avLst/>
@@ -4606,7 +4609,7 @@
 </file>
 
 <file path=ppt/slides/slide3.xml><?xml version="1.0" encoding="utf-8"?>
-<p:sld xmlns:a="http://schemas.openxmlformats.org/drawingml/2006/main" xmlns:r="http://schemas.openxmlformats.org/officeDocument/2006/relationships" xmlns:p="http://schemas.openxmlformats.org/presentationml/2006/main">
+<p:sld xmlns:a="http://schemas.openxmlformats.org/drawingml/2006/main" xmlns:r="http://schemas.openxmlformats.org/officeDocument/2006/relationships" xmlns:p="http://schemas.openxmlformats.org/presentationml/2006/main" showMasterSp="0">
   <p:cSld>
     <p:spTree>
       <p:nvGrpSpPr>
@@ -4704,7 +4707,7 @@
           </a:lstStyle>
           <a:p>
             <a:r>
-              <a:rPr lang="en-US" altLang="zh-CN" dirty="0"/>
+              <a:rPr lang="en-US" altLang="zh-CN" b="1" dirty="0"/>
               <a:t>System Design</a:t>
             </a:r>
           </a:p>
@@ -4729,7 +4732,7 @@
         <p:spPr>
           <a:xfrm>
             <a:off x="381908" y="1140925"/>
-            <a:ext cx="5482560" cy="5203233"/>
+            <a:ext cx="5714092" cy="5203233"/>
           </a:xfrm>
         </p:spPr>
         <p:txBody>
@@ -4739,8 +4742,31 @@
           <a:lstStyle/>
           <a:p>
             <a:r>
+              <a:rPr lang="en-US" altLang="zh-CN" b="1" dirty="0"/>
+              <a:t>1</a:t>
+            </a:r>
+            <a:r>
+              <a:rPr lang="zh-CN" altLang="en-US" b="1" dirty="0"/>
+              <a:t> </a:t>
+            </a:r>
+            <a:r>
+              <a:rPr lang="en-US" altLang="zh-CN" b="1" dirty="0"/>
+              <a:t>stand-alone</a:t>
+            </a:r>
+            <a:r>
+              <a:rPr lang="zh-CN" altLang="en-US" b="1" dirty="0"/>
+              <a:t> </a:t>
+            </a:r>
+            <a:r>
+              <a:rPr lang="en-US" altLang="zh-CN" b="1" dirty="0"/>
+              <a:t>instance</a:t>
+            </a:r>
+          </a:p>
+          <a:p>
+            <a:pPr lvl="1"/>
+            <a:r>
               <a:rPr lang="en-US" altLang="zh-CN" dirty="0"/>
-              <a:t>1</a:t>
+              <a:t>Data</a:t>
             </a:r>
             <a:r>
               <a:rPr lang="zh-CN" altLang="en-US" dirty="0"/>
@@ -4748,7 +4774,14 @@
             </a:r>
             <a:r>
               <a:rPr lang="en-US" altLang="zh-CN" dirty="0"/>
-              <a:t>stand-alone</a:t>
+              <a:t>harvest</a:t>
+            </a:r>
+          </a:p>
+          <a:p>
+            <a:pPr lvl="1"/>
+            <a:r>
+              <a:rPr lang="en-US" altLang="zh-CN" dirty="0"/>
+              <a:t>Preprocess</a:t>
             </a:r>
             <a:r>
               <a:rPr lang="zh-CN" altLang="en-US" dirty="0"/>
@@ -4756,14 +4789,7 @@
             </a:r>
             <a:r>
               <a:rPr lang="en-US" altLang="zh-CN" dirty="0"/>
-              <a:t>instance</a:t>
-            </a:r>
-          </a:p>
-          <a:p>
-            <a:pPr lvl="1"/>
-            <a:r>
-              <a:rPr lang="en-US" altLang="zh-CN" dirty="0"/>
-              <a:t>Data</a:t>
+              <a:t>and</a:t>
             </a:r>
             <a:r>
               <a:rPr lang="zh-CN" altLang="en-US" dirty="0"/>
@@ -4771,29 +4797,6 @@
             </a:r>
             <a:r>
               <a:rPr lang="en-US" altLang="zh-CN" dirty="0"/>
-              <a:t>harvest</a:t>
-            </a:r>
-          </a:p>
-          <a:p>
-            <a:pPr lvl="1"/>
-            <a:r>
-              <a:rPr lang="en-US" altLang="zh-CN" dirty="0"/>
-              <a:t>Preprocess</a:t>
-            </a:r>
-            <a:r>
-              <a:rPr lang="zh-CN" altLang="en-US" dirty="0"/>
-              <a:t> </a:t>
-            </a:r>
-            <a:r>
-              <a:rPr lang="en-US" altLang="zh-CN" dirty="0"/>
-              <a:t>and</a:t>
-            </a:r>
-            <a:r>
-              <a:rPr lang="zh-CN" altLang="en-US" dirty="0"/>
-              <a:t> </a:t>
-            </a:r>
-            <a:r>
-              <a:rPr lang="en-US" altLang="zh-CN" dirty="0"/>
               <a:t>analysis</a:t>
             </a:r>
           </a:p>
@@ -4804,12 +4807,87 @@
           <a:p>
             <a:pPr lvl="0"/>
             <a:r>
+              <a:rPr lang="en-US" altLang="zh-CN" b="1" dirty="0">
+                <a:solidFill>
+                  <a:prstClr val="black"/>
+                </a:solidFill>
+              </a:rPr>
+              <a:t>3</a:t>
+            </a:r>
+            <a:r>
+              <a:rPr lang="zh-CN" altLang="en-US" b="1" dirty="0">
+                <a:solidFill>
+                  <a:prstClr val="black"/>
+                </a:solidFill>
+              </a:rPr>
+              <a:t> </a:t>
+            </a:r>
+            <a:r>
+              <a:rPr lang="en-US" altLang="zh-CN" b="1" dirty="0">
+                <a:solidFill>
+                  <a:prstClr val="black"/>
+                </a:solidFill>
+              </a:rPr>
+              <a:t>instances</a:t>
+            </a:r>
+            <a:r>
+              <a:rPr lang="zh-CN" altLang="en-US" b="1" dirty="0">
+                <a:solidFill>
+                  <a:prstClr val="black"/>
+                </a:solidFill>
+              </a:rPr>
+              <a:t> </a:t>
+            </a:r>
+            <a:r>
+              <a:rPr lang="en-US" altLang="zh-CN" b="1" dirty="0">
+                <a:solidFill>
+                  <a:prstClr val="black"/>
+                </a:solidFill>
+              </a:rPr>
+              <a:t>for</a:t>
+            </a:r>
+            <a:r>
+              <a:rPr lang="zh-CN" altLang="en-US" b="1" dirty="0">
+                <a:solidFill>
+                  <a:prstClr val="black"/>
+                </a:solidFill>
+              </a:rPr>
+              <a:t> </a:t>
+            </a:r>
+            <a:r>
+              <a:rPr lang="en-US" altLang="zh-CN" b="1" dirty="0">
+                <a:solidFill>
+                  <a:prstClr val="black"/>
+                </a:solidFill>
+              </a:rPr>
+              <a:t>CouchDB</a:t>
+            </a:r>
+            <a:r>
+              <a:rPr lang="zh-CN" altLang="en-US" b="1" dirty="0">
+                <a:solidFill>
+                  <a:prstClr val="black"/>
+                </a:solidFill>
+              </a:rPr>
+              <a:t> </a:t>
+            </a:r>
+            <a:r>
+              <a:rPr lang="en-US" altLang="zh-CN" b="1" dirty="0">
+                <a:solidFill>
+                  <a:prstClr val="black"/>
+                </a:solidFill>
+              </a:rPr>
+              <a:t>cluster</a:t>
+            </a:r>
+          </a:p>
+          <a:p>
+            <a:pPr lvl="1"/>
+            <a:r>
               <a:rPr lang="en-US" altLang="zh-CN" dirty="0">
                 <a:solidFill>
                   <a:prstClr val="black"/>
                 </a:solidFill>
               </a:rPr>
-              <a:t>3</a:t>
+              <a:t>Deployed</a:t>
             </a:r>
             <a:r>
               <a:rPr lang="zh-CN" altLang="en-US" dirty="0">
@@ -4825,7 +4903,7 @@
                   <a:prstClr val="black"/>
                 </a:solidFill>
               </a:rPr>
-              <a:t>instances</a:t>
+              <a:t>by</a:t>
             </a:r>
             <a:r>
               <a:rPr lang="zh-CN" altLang="en-US" dirty="0">
@@ -4841,6 +4919,151 @@
                   <a:prstClr val="black"/>
                 </a:solidFill>
               </a:rPr>
+              <a:t>Ansible</a:t>
+            </a:r>
+            <a:r>
+              <a:rPr lang="zh-CN" altLang="en-US" dirty="0">
+                <a:solidFill>
+                  <a:prstClr val="black"/>
+                </a:solidFill>
+              </a:rPr>
+              <a:t> </a:t>
+            </a:r>
+            <a:r>
+              <a:rPr lang="en-US" altLang="zh-CN" dirty="0">
+                <a:solidFill>
+                  <a:prstClr val="black"/>
+                </a:solidFill>
+              </a:rPr>
+              <a:t>script</a:t>
+            </a:r>
+          </a:p>
+          <a:p>
+            <a:pPr lvl="1"/>
+            <a:r>
+              <a:rPr lang="en-US" altLang="zh-CN" dirty="0">
+                <a:solidFill>
+                  <a:prstClr val="black"/>
+                </a:solidFill>
+              </a:rPr>
+              <a:t>Run</a:t>
+            </a:r>
+            <a:r>
+              <a:rPr lang="zh-CN" altLang="en-US" dirty="0">
+                <a:solidFill>
+                  <a:prstClr val="black"/>
+                </a:solidFill>
+              </a:rPr>
+              <a:t> </a:t>
+            </a:r>
+            <a:r>
+              <a:rPr lang="en-US" altLang="zh-CN" dirty="0">
+                <a:solidFill>
+                  <a:prstClr val="black"/>
+                </a:solidFill>
+              </a:rPr>
+              <a:t>in</a:t>
+            </a:r>
+            <a:r>
+              <a:rPr lang="zh-CN" altLang="en-US" dirty="0">
+                <a:solidFill>
+                  <a:prstClr val="black"/>
+                </a:solidFill>
+              </a:rPr>
+              <a:t> </a:t>
+            </a:r>
+            <a:r>
+              <a:rPr lang="en-US" altLang="zh-CN" dirty="0">
+                <a:solidFill>
+                  <a:prstClr val="black"/>
+                </a:solidFill>
+              </a:rPr>
+              <a:t>Docker</a:t>
+            </a:r>
+            <a:r>
+              <a:rPr lang="zh-CN" altLang="en-US" dirty="0">
+                <a:solidFill>
+                  <a:prstClr val="black"/>
+                </a:solidFill>
+              </a:rPr>
+              <a:t> </a:t>
+            </a:r>
+            <a:r>
+              <a:rPr lang="en-US" altLang="zh-CN" dirty="0">
+                <a:solidFill>
+                  <a:prstClr val="black"/>
+                </a:solidFill>
+              </a:rPr>
+              <a:t>Containers</a:t>
+            </a:r>
+          </a:p>
+          <a:p>
+            <a:pPr lvl="1"/>
+            <a:r>
+              <a:rPr lang="en-US" altLang="zh-CN" dirty="0">
+                <a:solidFill>
+                  <a:prstClr val="black"/>
+                </a:solidFill>
+              </a:rPr>
+              <a:t>MapReduce</a:t>
+            </a:r>
+            <a:r>
+              <a:rPr lang="zh-CN" altLang="en-US" dirty="0">
+                <a:solidFill>
+                  <a:prstClr val="black"/>
+                </a:solidFill>
+              </a:rPr>
+              <a:t> </a:t>
+            </a:r>
+            <a:r>
+              <a:rPr lang="en-US" altLang="zh-CN" dirty="0">
+                <a:solidFill>
+                  <a:prstClr val="black"/>
+                </a:solidFill>
+              </a:rPr>
+              <a:t>views</a:t>
+            </a:r>
+          </a:p>
+          <a:p>
+            <a:pPr lvl="1"/>
+            <a:r>
+              <a:rPr lang="en-US" altLang="zh-CN" dirty="0">
+                <a:solidFill>
+                  <a:prstClr val="black"/>
+                </a:solidFill>
+              </a:rPr>
+              <a:t>RESTful</a:t>
+            </a:r>
+            <a:r>
+              <a:rPr lang="zh-CN" altLang="en-US" dirty="0">
+                <a:solidFill>
+                  <a:prstClr val="black"/>
+                </a:solidFill>
+              </a:rPr>
+              <a:t> </a:t>
+            </a:r>
+            <a:r>
+              <a:rPr lang="en-US" altLang="zh-CN" dirty="0">
+                <a:solidFill>
+                  <a:prstClr val="black"/>
+                </a:solidFill>
+              </a:rPr>
+              <a:t>APIs</a:t>
+            </a:r>
+            <a:r>
+              <a:rPr lang="zh-CN" altLang="en-US" dirty="0">
+                <a:solidFill>
+                  <a:prstClr val="black"/>
+                </a:solidFill>
+              </a:rPr>
+              <a:t> </a:t>
+            </a:r>
+            <a:r>
+              <a:rPr lang="en-US" altLang="zh-CN" dirty="0">
+                <a:solidFill>
+                  <a:prstClr val="black"/>
+                </a:solidFill>
+              </a:rPr>
               <a:t>for</a:t>
             </a:r>
             <a:r>
@@ -4857,7 +5080,18 @@
                   <a:prstClr val="black"/>
                 </a:solidFill>
               </a:rPr>
-              <a:t>CouchDB</a:t>
+              <a:t>frontend</a:t>
+            </a:r>
+          </a:p>
+          <a:p>
+            <a:pPr lvl="1"/>
+            <a:r>
+              <a:rPr lang="en-US" altLang="zh-CN" dirty="0">
+                <a:solidFill>
+                  <a:prstClr val="black"/>
+                </a:solidFill>
+              </a:rPr>
+              <a:t>No</a:t>
             </a:r>
             <a:r>
               <a:rPr lang="zh-CN" altLang="en-US" dirty="0">
@@ -4873,18 +5107,23 @@
                   <a:prstClr val="black"/>
                 </a:solidFill>
               </a:rPr>
-              <a:t>cluster</a:t>
-            </a:r>
-          </a:p>
-          <a:p>
-            <a:pPr lvl="1"/>
+              <a:t>independent</a:t>
+            </a:r>
+            <a:r>
+              <a:rPr lang="zh-CN" altLang="en-US" dirty="0">
+                <a:solidFill>
+                  <a:prstClr val="black"/>
+                </a:solidFill>
+              </a:rPr>
+              <a:t> </a:t>
+            </a:r>
             <a:r>
               <a:rPr lang="en-US" altLang="zh-CN" dirty="0">
                 <a:solidFill>
                   <a:prstClr val="black"/>
                 </a:solidFill>
               </a:rPr>
-              <a:t>Deployed</a:t>
+              <a:t>backend</a:t>
             </a:r>
             <a:r>
               <a:rPr lang="zh-CN" altLang="en-US" dirty="0">
@@ -4900,249 +5139,8 @@
                   <a:prstClr val="black"/>
                 </a:solidFill>
               </a:rPr>
-              <a:t>by</a:t>
-            </a:r>
-            <a:r>
-              <a:rPr lang="zh-CN" altLang="en-US" dirty="0">
-                <a:solidFill>
-                  <a:prstClr val="black"/>
-                </a:solidFill>
-              </a:rPr>
-              <a:t> </a:t>
-            </a:r>
-            <a:r>
-              <a:rPr lang="en-US" altLang="zh-CN" dirty="0">
-                <a:solidFill>
-                  <a:prstClr val="black"/>
-                </a:solidFill>
-              </a:rPr>
-              <a:t>Ansible</a:t>
-            </a:r>
-            <a:r>
-              <a:rPr lang="zh-CN" altLang="en-US" dirty="0">
-                <a:solidFill>
-                  <a:prstClr val="black"/>
-                </a:solidFill>
-              </a:rPr>
-              <a:t> </a:t>
-            </a:r>
-            <a:r>
-              <a:rPr lang="en-US" altLang="zh-CN" dirty="0">
-                <a:solidFill>
-                  <a:prstClr val="black"/>
-                </a:solidFill>
-              </a:rPr>
-              <a:t>script</a:t>
-            </a:r>
-          </a:p>
-          <a:p>
-            <a:pPr lvl="1"/>
-            <a:r>
-              <a:rPr lang="en-US" altLang="zh-CN" dirty="0">
-                <a:solidFill>
-                  <a:prstClr val="black"/>
-                </a:solidFill>
-              </a:rPr>
-              <a:t>Run</a:t>
-            </a:r>
-            <a:r>
-              <a:rPr lang="zh-CN" altLang="en-US" dirty="0">
-                <a:solidFill>
-                  <a:prstClr val="black"/>
-                </a:solidFill>
-              </a:rPr>
-              <a:t> </a:t>
-            </a:r>
-            <a:r>
-              <a:rPr lang="en-US" altLang="zh-CN" dirty="0">
-                <a:solidFill>
-                  <a:prstClr val="black"/>
-                </a:solidFill>
-              </a:rPr>
-              <a:t>in</a:t>
-            </a:r>
-            <a:r>
-              <a:rPr lang="zh-CN" altLang="en-US" dirty="0">
-                <a:solidFill>
-                  <a:prstClr val="black"/>
-                </a:solidFill>
-              </a:rPr>
-              <a:t> </a:t>
-            </a:r>
-            <a:r>
-              <a:rPr lang="en-US" altLang="zh-CN" dirty="0">
-                <a:solidFill>
-                  <a:prstClr val="black"/>
-                </a:solidFill>
-              </a:rPr>
-              <a:t>Docker</a:t>
-            </a:r>
-            <a:r>
-              <a:rPr lang="zh-CN" altLang="en-US" dirty="0">
-                <a:solidFill>
-                  <a:prstClr val="black"/>
-                </a:solidFill>
-              </a:rPr>
-              <a:t> </a:t>
-            </a:r>
-            <a:r>
-              <a:rPr lang="en-US" altLang="zh-CN" dirty="0">
-                <a:solidFill>
-                  <a:prstClr val="black"/>
-                </a:solidFill>
-              </a:rPr>
-              <a:t>Containers</a:t>
-            </a:r>
-          </a:p>
-          <a:p>
-            <a:pPr lvl="1"/>
-            <a:r>
-              <a:rPr lang="en-US" altLang="zh-CN" dirty="0">
-                <a:solidFill>
-                  <a:prstClr val="black"/>
-                </a:solidFill>
-              </a:rPr>
-              <a:t>MapReduce</a:t>
-            </a:r>
-            <a:r>
-              <a:rPr lang="zh-CN" altLang="en-US" dirty="0">
-                <a:solidFill>
-                  <a:prstClr val="black"/>
-                </a:solidFill>
-              </a:rPr>
-              <a:t> </a:t>
-            </a:r>
-            <a:r>
-              <a:rPr lang="en-US" altLang="zh-CN" dirty="0">
-                <a:solidFill>
-                  <a:prstClr val="black"/>
-                </a:solidFill>
-              </a:rPr>
-              <a:t>views</a:t>
-            </a:r>
-          </a:p>
-          <a:p>
-            <a:pPr lvl="1"/>
-            <a:r>
-              <a:rPr lang="en-US" altLang="zh-CN" dirty="0">
-                <a:solidFill>
-                  <a:prstClr val="black"/>
-                </a:solidFill>
-              </a:rPr>
-              <a:t>RESTful</a:t>
-            </a:r>
-            <a:r>
-              <a:rPr lang="zh-CN" altLang="en-US" dirty="0">
-                <a:solidFill>
-                  <a:prstClr val="black"/>
-                </a:solidFill>
-              </a:rPr>
-              <a:t> </a:t>
-            </a:r>
-            <a:r>
-              <a:rPr lang="en-US" altLang="zh-CN" dirty="0">
-                <a:solidFill>
-                  <a:prstClr val="black"/>
-                </a:solidFill>
-              </a:rPr>
-              <a:t>APIs</a:t>
-            </a:r>
-            <a:r>
-              <a:rPr lang="zh-CN" altLang="en-US" dirty="0">
-                <a:solidFill>
-                  <a:prstClr val="black"/>
-                </a:solidFill>
-              </a:rPr>
-              <a:t> </a:t>
-            </a:r>
-            <a:r>
-              <a:rPr lang="en-US" altLang="zh-CN" dirty="0">
-                <a:solidFill>
-                  <a:prstClr val="black"/>
-                </a:solidFill>
-              </a:rPr>
-              <a:t>for</a:t>
-            </a:r>
-            <a:r>
-              <a:rPr lang="zh-CN" altLang="en-US" dirty="0">
-                <a:solidFill>
-                  <a:prstClr val="black"/>
-                </a:solidFill>
-              </a:rPr>
-              <a:t> </a:t>
-            </a:r>
-            <a:r>
-              <a:rPr lang="en-US" altLang="zh-CN" dirty="0">
-                <a:solidFill>
-                  <a:prstClr val="black"/>
-                </a:solidFill>
-              </a:rPr>
-              <a:t>frontend</a:t>
-            </a:r>
-          </a:p>
-          <a:p>
-            <a:pPr lvl="1"/>
-            <a:r>
-              <a:rPr lang="en-US" altLang="zh-CN" dirty="0">
-                <a:solidFill>
-                  <a:prstClr val="black"/>
-                </a:solidFill>
-              </a:rPr>
-              <a:t>No</a:t>
-            </a:r>
-            <a:r>
-              <a:rPr lang="zh-CN" altLang="en-US" dirty="0">
-                <a:solidFill>
-                  <a:prstClr val="black"/>
-                </a:solidFill>
-              </a:rPr>
-              <a:t> </a:t>
-            </a:r>
-            <a:r>
-              <a:rPr lang="en-US" altLang="zh-CN" dirty="0">
-                <a:solidFill>
-                  <a:prstClr val="black"/>
-                </a:solidFill>
-              </a:rPr>
-              <a:t>independent</a:t>
-            </a:r>
-            <a:r>
-              <a:rPr lang="zh-CN" altLang="en-US" dirty="0">
-                <a:solidFill>
-                  <a:prstClr val="black"/>
-                </a:solidFill>
-              </a:rPr>
-              <a:t> </a:t>
-            </a:r>
-            <a:r>
-              <a:rPr lang="en-US" altLang="zh-CN" dirty="0">
-                <a:solidFill>
-                  <a:prstClr val="black"/>
-                </a:solidFill>
-              </a:rPr>
-              <a:t>backend</a:t>
-            </a:r>
-            <a:r>
-              <a:rPr lang="zh-CN" altLang="en-US" dirty="0">
-                <a:solidFill>
-                  <a:prstClr val="black"/>
-                </a:solidFill>
-              </a:rPr>
-              <a:t> </a:t>
-            </a:r>
-            <a:r>
-              <a:rPr lang="en-US" altLang="zh-CN">
-                <a:solidFill>
-                  <a:prstClr val="black"/>
-                </a:solidFill>
-              </a:rPr>
               <a:t>required</a:t>
             </a:r>
-            <a:endParaRPr lang="en-US" altLang="zh-CN" dirty="0">
-              <a:solidFill>
-                <a:prstClr val="black"/>
-              </a:solidFill>
-            </a:endParaRPr>
           </a:p>
           <a:p>
             <a:pPr lvl="1"/>
